--- a/presentatie 25-11.pptx
+++ b/presentatie 25-11.pptx
@@ -2,14 +2,33 @@
 <file path=ppt/presentation.xml><?xml version="1.0" encoding="utf-8"?>
 <p:presentation xmlns:a="http://schemas.openxmlformats.org/drawingml/2006/main" xmlns:r="http://schemas.openxmlformats.org/officeDocument/2006/relationships" xmlns:p="http://schemas.openxmlformats.org/presentationml/2006/main" saveSubsetFonts="1">
   <p:sldMasterIdLst>
-    <p:sldMasterId id="2147483660" r:id="rId1"/>
+    <p:sldMasterId id="2147483684" r:id="rId1"/>
   </p:sldMasterIdLst>
   <p:sldIdLst>
     <p:sldId id="256" r:id="rId2"/>
     <p:sldId id="257" r:id="rId3"/>
     <p:sldId id="259" r:id="rId4"/>
-    <p:sldId id="260" r:id="rId5"/>
-    <p:sldId id="258" r:id="rId6"/>
+    <p:sldId id="258" r:id="rId5"/>
+    <p:sldId id="270" r:id="rId6"/>
+    <p:sldId id="271" r:id="rId7"/>
+    <p:sldId id="260" r:id="rId8"/>
+    <p:sldId id="272" r:id="rId9"/>
+    <p:sldId id="269" r:id="rId10"/>
+    <p:sldId id="273" r:id="rId11"/>
+    <p:sldId id="274" r:id="rId12"/>
+    <p:sldId id="275" r:id="rId13"/>
+    <p:sldId id="276" r:id="rId14"/>
+    <p:sldId id="277" r:id="rId15"/>
+    <p:sldId id="278" r:id="rId16"/>
+    <p:sldId id="279" r:id="rId17"/>
+    <p:sldId id="261" r:id="rId18"/>
+    <p:sldId id="262" r:id="rId19"/>
+    <p:sldId id="263" r:id="rId20"/>
+    <p:sldId id="264" r:id="rId21"/>
+    <p:sldId id="268" r:id="rId22"/>
+    <p:sldId id="265" r:id="rId23"/>
+    <p:sldId id="267" r:id="rId24"/>
+    <p:sldId id="281" r:id="rId25"/>
   </p:sldIdLst>
   <p:sldSz cx="9144000" cy="6858000" type="screen4x3"/>
   <p:notesSz cx="6858000" cy="9144000"/>
@@ -1923,7 +1942,7 @@
           <a:p>
             <a:fld id="{1251B63E-2532-457F-BBF8-D429E7ED2DAB}" type="datetimeFigureOut">
               <a:rPr lang="nl-NL" smtClean="0"/>
-              <a:t>24-11-2014</a:t>
+              <a:t>25-11-2014</a:t>
             </a:fld>
             <a:endParaRPr lang="nl-NL"/>
           </a:p>
@@ -2104,7 +2123,7 @@
           <a:p>
             <a:fld id="{1251B63E-2532-457F-BBF8-D429E7ED2DAB}" type="datetimeFigureOut">
               <a:rPr lang="nl-NL" smtClean="0"/>
-              <a:t>24-11-2014</a:t>
+              <a:t>25-11-2014</a:t>
             </a:fld>
             <a:endParaRPr lang="nl-NL"/>
           </a:p>
@@ -2255,7 +2274,7 @@
           <a:p>
             <a:fld id="{1251B63E-2532-457F-BBF8-D429E7ED2DAB}" type="datetimeFigureOut">
               <a:rPr lang="nl-NL" smtClean="0"/>
-              <a:t>24-11-2014</a:t>
+              <a:t>25-11-2014</a:t>
             </a:fld>
             <a:endParaRPr lang="nl-NL"/>
           </a:p>
@@ -4081,7 +4100,7 @@
           <a:p>
             <a:fld id="{1251B63E-2532-457F-BBF8-D429E7ED2DAB}" type="datetimeFigureOut">
               <a:rPr lang="nl-NL" smtClean="0"/>
-              <a:t>24-11-2014</a:t>
+              <a:t>25-11-2014</a:t>
             </a:fld>
             <a:endParaRPr lang="nl-NL"/>
           </a:p>
@@ -5951,7 +5970,7 @@
           <a:p>
             <a:fld id="{1251B63E-2532-457F-BBF8-D429E7ED2DAB}" type="datetimeFigureOut">
               <a:rPr lang="nl-NL" smtClean="0"/>
-              <a:t>24-11-2014</a:t>
+              <a:t>25-11-2014</a:t>
             </a:fld>
             <a:endParaRPr lang="nl-NL"/>
           </a:p>
@@ -6064,7 +6083,7 @@
           <a:p>
             <a:fld id="{1251B63E-2532-457F-BBF8-D429E7ED2DAB}" type="datetimeFigureOut">
               <a:rPr lang="nl-NL" smtClean="0"/>
-              <a:t>24-11-2014</a:t>
+              <a:t>25-11-2014</a:t>
             </a:fld>
             <a:endParaRPr lang="nl-NL"/>
           </a:p>
@@ -6605,7 +6624,7 @@
           <a:p>
             <a:fld id="{1251B63E-2532-457F-BBF8-D429E7ED2DAB}" type="datetimeFigureOut">
               <a:rPr lang="nl-NL" smtClean="0"/>
-              <a:t>24-11-2014</a:t>
+              <a:t>25-11-2014</a:t>
             </a:fld>
             <a:endParaRPr lang="nl-NL"/>
           </a:p>
@@ -6718,7 +6737,7 @@
           <a:p>
             <a:fld id="{1251B63E-2532-457F-BBF8-D429E7ED2DAB}" type="datetimeFigureOut">
               <a:rPr lang="nl-NL" smtClean="0"/>
-              <a:t>24-11-2014</a:t>
+              <a:t>25-11-2014</a:t>
             </a:fld>
             <a:endParaRPr lang="nl-NL"/>
           </a:p>
@@ -8429,7 +8448,7 @@
           <a:p>
             <a:fld id="{1251B63E-2532-457F-BBF8-D429E7ED2DAB}" type="datetimeFigureOut">
               <a:rPr lang="nl-NL" smtClean="0"/>
-              <a:t>24-11-2014</a:t>
+              <a:t>25-11-2014</a:t>
             </a:fld>
             <a:endParaRPr lang="nl-NL"/>
           </a:p>
@@ -8580,7 +8599,7 @@
           <a:p>
             <a:fld id="{1251B63E-2532-457F-BBF8-D429E7ED2DAB}" type="datetimeFigureOut">
               <a:rPr lang="nl-NL" smtClean="0"/>
-              <a:t>24-11-2014</a:t>
+              <a:t>25-11-2014</a:t>
             </a:fld>
             <a:endParaRPr lang="nl-NL"/>
           </a:p>
@@ -12195,7 +12214,7 @@
           <a:p>
             <a:fld id="{1251B63E-2532-457F-BBF8-D429E7ED2DAB}" type="datetimeFigureOut">
               <a:rPr lang="nl-NL" smtClean="0"/>
-              <a:t>24-11-2014</a:t>
+              <a:t>25-11-2014</a:t>
             </a:fld>
             <a:endParaRPr lang="nl-NL"/>
           </a:p>
@@ -14054,7 +14073,7 @@
           <a:p>
             <a:fld id="{1251B63E-2532-457F-BBF8-D429E7ED2DAB}" type="datetimeFigureOut">
               <a:rPr lang="nl-NL" smtClean="0"/>
-              <a:t>24-11-2014</a:t>
+              <a:t>25-11-2014</a:t>
             </a:fld>
             <a:endParaRPr lang="nl-NL"/>
           </a:p>
@@ -14200,17 +14219,17 @@
   </p:cSld>
   <p:clrMap bg1="lt1" tx1="dk1" bg2="lt2" tx2="dk2" accent1="accent1" accent2="accent2" accent3="accent3" accent4="accent4" accent5="accent5" accent6="accent6" hlink="hlink" folHlink="folHlink"/>
   <p:sldLayoutIdLst>
-    <p:sldLayoutId id="2147483661" r:id="rId1"/>
-    <p:sldLayoutId id="2147483662" r:id="rId2"/>
-    <p:sldLayoutId id="2147483663" r:id="rId3"/>
-    <p:sldLayoutId id="2147483664" r:id="rId4"/>
-    <p:sldLayoutId id="2147483665" r:id="rId5"/>
-    <p:sldLayoutId id="2147483666" r:id="rId6"/>
-    <p:sldLayoutId id="2147483667" r:id="rId7"/>
-    <p:sldLayoutId id="2147483668" r:id="rId8"/>
-    <p:sldLayoutId id="2147483669" r:id="rId9"/>
-    <p:sldLayoutId id="2147483670" r:id="rId10"/>
-    <p:sldLayoutId id="2147483671" r:id="rId11"/>
+    <p:sldLayoutId id="2147483685" r:id="rId1"/>
+    <p:sldLayoutId id="2147483686" r:id="rId2"/>
+    <p:sldLayoutId id="2147483687" r:id="rId3"/>
+    <p:sldLayoutId id="2147483688" r:id="rId4"/>
+    <p:sldLayoutId id="2147483689" r:id="rId5"/>
+    <p:sldLayoutId id="2147483690" r:id="rId6"/>
+    <p:sldLayoutId id="2147483691" r:id="rId7"/>
+    <p:sldLayoutId id="2147483692" r:id="rId8"/>
+    <p:sldLayoutId id="2147483693" r:id="rId9"/>
+    <p:sldLayoutId id="2147483694" r:id="rId10"/>
+    <p:sldLayoutId id="2147483695" r:id="rId11"/>
   </p:sldLayoutIdLst>
   <p:txStyles>
     <p:titleStyle>
@@ -14633,6 +14652,1487 @@
   <p:clrMapOvr>
     <a:masterClrMapping/>
   </p:clrMapOvr>
+  <p:timing>
+    <p:tnLst>
+      <p:par>
+        <p:cTn id="1" dur="indefinite" restart="never" nodeType="tmRoot"/>
+      </p:par>
+    </p:tnLst>
+  </p:timing>
+</p:sld>
+</file>
+
+<file path=ppt/slides/slide10.xml><?xml version="1.0" encoding="utf-8"?>
+<p:sld xmlns:a="http://schemas.openxmlformats.org/drawingml/2006/main" xmlns:r="http://schemas.openxmlformats.org/officeDocument/2006/relationships" xmlns:p="http://schemas.openxmlformats.org/presentationml/2006/main">
+  <p:cSld>
+    <p:spTree>
+      <p:nvGrpSpPr>
+        <p:cNvPr id="1" name=""/>
+        <p:cNvGrpSpPr/>
+        <p:nvPr/>
+      </p:nvGrpSpPr>
+      <p:grpSpPr>
+        <a:xfrm>
+          <a:off x="0" y="0"/>
+          <a:ext cx="0" cy="0"/>
+          <a:chOff x="0" y="0"/>
+          <a:chExt cx="0" cy="0"/>
+        </a:xfrm>
+      </p:grpSpPr>
+      <p:sp>
+        <p:nvSpPr>
+          <p:cNvPr id="3" name="Title 2"/>
+          <p:cNvSpPr>
+            <a:spLocks noGrp="1"/>
+          </p:cNvSpPr>
+          <p:nvPr>
+            <p:ph type="title"/>
+          </p:nvPr>
+        </p:nvSpPr>
+        <p:spPr/>
+        <p:txBody>
+          <a:bodyPr/>
+          <a:lstStyle/>
+          <a:p>
+            <a:r>
+              <a:rPr lang="nl-NL" smtClean="0"/>
+              <a:t>DFS algoritme</a:t>
+            </a:r>
+            <a:endParaRPr lang="nl-NL" dirty="0"/>
+          </a:p>
+        </p:txBody>
+      </p:sp>
+      <p:pic>
+        <p:nvPicPr>
+          <p:cNvPr id="1029" name="Picture 5"/>
+          <p:cNvPicPr>
+            <a:picLocks noChangeAspect="1" noChangeArrowheads="1"/>
+          </p:cNvPicPr>
+          <p:nvPr/>
+        </p:nvPicPr>
+        <p:blipFill>
+          <a:blip r:embed="rId2">
+            <a:extLst>
+              <a:ext uri="{28A0092B-C50C-407E-A947-70E740481C1C}">
+                <a14:useLocalDpi xmlns:a14="http://schemas.microsoft.com/office/drawing/2010/main" val="0"/>
+              </a:ext>
+            </a:extLst>
+          </a:blip>
+          <a:stretch>
+            <a:fillRect/>
+          </a:stretch>
+        </p:blipFill>
+        <p:spPr bwMode="auto">
+          <a:xfrm>
+            <a:off x="2699792" y="692696"/>
+            <a:ext cx="3963303" cy="5525759"/>
+          </a:xfrm>
+          <a:prstGeom prst="rect">
+            <a:avLst/>
+          </a:prstGeom>
+          <a:noFill/>
+          <a:extLst>
+            <a:ext uri="{909E8E84-426E-40DD-AFC4-6F175D3DCCD1}">
+              <a14:hiddenFill xmlns:a14="http://schemas.microsoft.com/office/drawing/2010/main">
+                <a:solidFill>
+                  <a:srgbClr val="FFFFFF"/>
+                </a:solidFill>
+              </a14:hiddenFill>
+            </a:ext>
+          </a:extLst>
+        </p:spPr>
+      </p:pic>
+    </p:spTree>
+    <p:extLst>
+      <p:ext uri="{BB962C8B-B14F-4D97-AF65-F5344CB8AC3E}">
+        <p14:creationId xmlns:p14="http://schemas.microsoft.com/office/powerpoint/2010/main" val="130508364"/>
+      </p:ext>
+    </p:extLst>
+  </p:cSld>
+  <p:clrMapOvr>
+    <a:masterClrMapping/>
+  </p:clrMapOvr>
+  <p:timing>
+    <p:tnLst>
+      <p:par>
+        <p:cTn id="1" dur="indefinite" restart="never" nodeType="tmRoot"/>
+      </p:par>
+    </p:tnLst>
+  </p:timing>
+</p:sld>
+</file>
+
+<file path=ppt/slides/slide11.xml><?xml version="1.0" encoding="utf-8"?>
+<p:sld xmlns:a="http://schemas.openxmlformats.org/drawingml/2006/main" xmlns:r="http://schemas.openxmlformats.org/officeDocument/2006/relationships" xmlns:p="http://schemas.openxmlformats.org/presentationml/2006/main">
+  <p:cSld>
+    <p:spTree>
+      <p:nvGrpSpPr>
+        <p:cNvPr id="1" name=""/>
+        <p:cNvGrpSpPr/>
+        <p:nvPr/>
+      </p:nvGrpSpPr>
+      <p:grpSpPr>
+        <a:xfrm>
+          <a:off x="0" y="0"/>
+          <a:ext cx="0" cy="0"/>
+          <a:chOff x="0" y="0"/>
+          <a:chExt cx="0" cy="0"/>
+        </a:xfrm>
+      </p:grpSpPr>
+      <p:sp>
+        <p:nvSpPr>
+          <p:cNvPr id="3" name="Title 2"/>
+          <p:cNvSpPr>
+            <a:spLocks noGrp="1"/>
+          </p:cNvSpPr>
+          <p:nvPr>
+            <p:ph type="title"/>
+          </p:nvPr>
+        </p:nvSpPr>
+        <p:spPr/>
+        <p:txBody>
+          <a:bodyPr/>
+          <a:lstStyle/>
+          <a:p>
+            <a:r>
+              <a:rPr lang="nl-NL" smtClean="0"/>
+              <a:t>DFS algoritme</a:t>
+            </a:r>
+            <a:endParaRPr lang="nl-NL" dirty="0"/>
+          </a:p>
+        </p:txBody>
+      </p:sp>
+      <p:pic>
+        <p:nvPicPr>
+          <p:cNvPr id="1029" name="Picture 5"/>
+          <p:cNvPicPr>
+            <a:picLocks noChangeAspect="1" noChangeArrowheads="1"/>
+          </p:cNvPicPr>
+          <p:nvPr/>
+        </p:nvPicPr>
+        <p:blipFill>
+          <a:blip r:embed="rId2">
+            <a:extLst>
+              <a:ext uri="{28A0092B-C50C-407E-A947-70E740481C1C}">
+                <a14:useLocalDpi xmlns:a14="http://schemas.microsoft.com/office/drawing/2010/main" val="0"/>
+              </a:ext>
+            </a:extLst>
+          </a:blip>
+          <a:stretch>
+            <a:fillRect/>
+          </a:stretch>
+        </p:blipFill>
+        <p:spPr bwMode="auto">
+          <a:xfrm>
+            <a:off x="2699792" y="692696"/>
+            <a:ext cx="3963303" cy="5525759"/>
+          </a:xfrm>
+          <a:prstGeom prst="rect">
+            <a:avLst/>
+          </a:prstGeom>
+          <a:noFill/>
+          <a:extLst>
+            <a:ext uri="{909E8E84-426E-40DD-AFC4-6F175D3DCCD1}">
+              <a14:hiddenFill xmlns:a14="http://schemas.microsoft.com/office/drawing/2010/main">
+                <a:solidFill>
+                  <a:srgbClr val="FFFFFF"/>
+                </a:solidFill>
+              </a14:hiddenFill>
+            </a:ext>
+          </a:extLst>
+        </p:spPr>
+      </p:pic>
+    </p:spTree>
+    <p:extLst>
+      <p:ext uri="{BB962C8B-B14F-4D97-AF65-F5344CB8AC3E}">
+        <p14:creationId xmlns:p14="http://schemas.microsoft.com/office/powerpoint/2010/main" val="1428081631"/>
+      </p:ext>
+    </p:extLst>
+  </p:cSld>
+  <p:clrMapOvr>
+    <a:masterClrMapping/>
+  </p:clrMapOvr>
+  <p:timing>
+    <p:tnLst>
+      <p:par>
+        <p:cTn id="1" dur="indefinite" restart="never" nodeType="tmRoot"/>
+      </p:par>
+    </p:tnLst>
+  </p:timing>
+</p:sld>
+</file>
+
+<file path=ppt/slides/slide12.xml><?xml version="1.0" encoding="utf-8"?>
+<p:sld xmlns:a="http://schemas.openxmlformats.org/drawingml/2006/main" xmlns:r="http://schemas.openxmlformats.org/officeDocument/2006/relationships" xmlns:p="http://schemas.openxmlformats.org/presentationml/2006/main">
+  <p:cSld>
+    <p:spTree>
+      <p:nvGrpSpPr>
+        <p:cNvPr id="1" name=""/>
+        <p:cNvGrpSpPr/>
+        <p:nvPr/>
+      </p:nvGrpSpPr>
+      <p:grpSpPr>
+        <a:xfrm>
+          <a:off x="0" y="0"/>
+          <a:ext cx="0" cy="0"/>
+          <a:chOff x="0" y="0"/>
+          <a:chExt cx="0" cy="0"/>
+        </a:xfrm>
+      </p:grpSpPr>
+      <p:sp>
+        <p:nvSpPr>
+          <p:cNvPr id="3" name="Title 2"/>
+          <p:cNvSpPr>
+            <a:spLocks noGrp="1"/>
+          </p:cNvSpPr>
+          <p:nvPr>
+            <p:ph type="title"/>
+          </p:nvPr>
+        </p:nvSpPr>
+        <p:spPr/>
+        <p:txBody>
+          <a:bodyPr/>
+          <a:lstStyle/>
+          <a:p>
+            <a:r>
+              <a:rPr lang="nl-NL" smtClean="0"/>
+              <a:t>DFS algoritme</a:t>
+            </a:r>
+            <a:endParaRPr lang="nl-NL" dirty="0"/>
+          </a:p>
+        </p:txBody>
+      </p:sp>
+      <p:pic>
+        <p:nvPicPr>
+          <p:cNvPr id="1029" name="Picture 5"/>
+          <p:cNvPicPr>
+            <a:picLocks noChangeAspect="1" noChangeArrowheads="1"/>
+          </p:cNvPicPr>
+          <p:nvPr/>
+        </p:nvPicPr>
+        <p:blipFill>
+          <a:blip r:embed="rId2">
+            <a:extLst>
+              <a:ext uri="{28A0092B-C50C-407E-A947-70E740481C1C}">
+                <a14:useLocalDpi xmlns:a14="http://schemas.microsoft.com/office/drawing/2010/main" val="0"/>
+              </a:ext>
+            </a:extLst>
+          </a:blip>
+          <a:stretch>
+            <a:fillRect/>
+          </a:stretch>
+        </p:blipFill>
+        <p:spPr bwMode="auto">
+          <a:xfrm>
+            <a:off x="2699792" y="692696"/>
+            <a:ext cx="3963303" cy="5525759"/>
+          </a:xfrm>
+          <a:prstGeom prst="rect">
+            <a:avLst/>
+          </a:prstGeom>
+          <a:noFill/>
+          <a:extLst>
+            <a:ext uri="{909E8E84-426E-40DD-AFC4-6F175D3DCCD1}">
+              <a14:hiddenFill xmlns:a14="http://schemas.microsoft.com/office/drawing/2010/main">
+                <a:solidFill>
+                  <a:srgbClr val="FFFFFF"/>
+                </a:solidFill>
+              </a14:hiddenFill>
+            </a:ext>
+          </a:extLst>
+        </p:spPr>
+      </p:pic>
+    </p:spTree>
+    <p:extLst>
+      <p:ext uri="{BB962C8B-B14F-4D97-AF65-F5344CB8AC3E}">
+        <p14:creationId xmlns:p14="http://schemas.microsoft.com/office/powerpoint/2010/main" val="1398767289"/>
+      </p:ext>
+    </p:extLst>
+  </p:cSld>
+  <p:clrMapOvr>
+    <a:masterClrMapping/>
+  </p:clrMapOvr>
+  <p:timing>
+    <p:tnLst>
+      <p:par>
+        <p:cTn id="1" dur="indefinite" restart="never" nodeType="tmRoot"/>
+      </p:par>
+    </p:tnLst>
+  </p:timing>
+</p:sld>
+</file>
+
+<file path=ppt/slides/slide13.xml><?xml version="1.0" encoding="utf-8"?>
+<p:sld xmlns:a="http://schemas.openxmlformats.org/drawingml/2006/main" xmlns:r="http://schemas.openxmlformats.org/officeDocument/2006/relationships" xmlns:p="http://schemas.openxmlformats.org/presentationml/2006/main">
+  <p:cSld>
+    <p:spTree>
+      <p:nvGrpSpPr>
+        <p:cNvPr id="1" name=""/>
+        <p:cNvGrpSpPr/>
+        <p:nvPr/>
+      </p:nvGrpSpPr>
+      <p:grpSpPr>
+        <a:xfrm>
+          <a:off x="0" y="0"/>
+          <a:ext cx="0" cy="0"/>
+          <a:chOff x="0" y="0"/>
+          <a:chExt cx="0" cy="0"/>
+        </a:xfrm>
+      </p:grpSpPr>
+      <p:sp>
+        <p:nvSpPr>
+          <p:cNvPr id="3" name="Title 2"/>
+          <p:cNvSpPr>
+            <a:spLocks noGrp="1"/>
+          </p:cNvSpPr>
+          <p:nvPr>
+            <p:ph type="title"/>
+          </p:nvPr>
+        </p:nvSpPr>
+        <p:spPr/>
+        <p:txBody>
+          <a:bodyPr/>
+          <a:lstStyle/>
+          <a:p>
+            <a:r>
+              <a:rPr lang="nl-NL" smtClean="0"/>
+              <a:t>DFS algoritme</a:t>
+            </a:r>
+            <a:endParaRPr lang="nl-NL" dirty="0"/>
+          </a:p>
+        </p:txBody>
+      </p:sp>
+      <p:pic>
+        <p:nvPicPr>
+          <p:cNvPr id="1029" name="Picture 5"/>
+          <p:cNvPicPr>
+            <a:picLocks noChangeAspect="1" noChangeArrowheads="1"/>
+          </p:cNvPicPr>
+          <p:nvPr/>
+        </p:nvPicPr>
+        <p:blipFill>
+          <a:blip r:embed="rId2">
+            <a:extLst>
+              <a:ext uri="{28A0092B-C50C-407E-A947-70E740481C1C}">
+                <a14:useLocalDpi xmlns:a14="http://schemas.microsoft.com/office/drawing/2010/main" val="0"/>
+              </a:ext>
+            </a:extLst>
+          </a:blip>
+          <a:stretch>
+            <a:fillRect/>
+          </a:stretch>
+        </p:blipFill>
+        <p:spPr bwMode="auto">
+          <a:xfrm>
+            <a:off x="2699792" y="692696"/>
+            <a:ext cx="3963303" cy="5525759"/>
+          </a:xfrm>
+          <a:prstGeom prst="rect">
+            <a:avLst/>
+          </a:prstGeom>
+          <a:noFill/>
+          <a:extLst>
+            <a:ext uri="{909E8E84-426E-40DD-AFC4-6F175D3DCCD1}">
+              <a14:hiddenFill xmlns:a14="http://schemas.microsoft.com/office/drawing/2010/main">
+                <a:solidFill>
+                  <a:srgbClr val="FFFFFF"/>
+                </a:solidFill>
+              </a14:hiddenFill>
+            </a:ext>
+          </a:extLst>
+        </p:spPr>
+      </p:pic>
+    </p:spTree>
+    <p:extLst>
+      <p:ext uri="{BB962C8B-B14F-4D97-AF65-F5344CB8AC3E}">
+        <p14:creationId xmlns:p14="http://schemas.microsoft.com/office/powerpoint/2010/main" val="1512940595"/>
+      </p:ext>
+    </p:extLst>
+  </p:cSld>
+  <p:clrMapOvr>
+    <a:masterClrMapping/>
+  </p:clrMapOvr>
+  <p:timing>
+    <p:tnLst>
+      <p:par>
+        <p:cTn id="1" dur="indefinite" restart="never" nodeType="tmRoot"/>
+      </p:par>
+    </p:tnLst>
+  </p:timing>
+</p:sld>
+</file>
+
+<file path=ppt/slides/slide14.xml><?xml version="1.0" encoding="utf-8"?>
+<p:sld xmlns:a="http://schemas.openxmlformats.org/drawingml/2006/main" xmlns:r="http://schemas.openxmlformats.org/officeDocument/2006/relationships" xmlns:p="http://schemas.openxmlformats.org/presentationml/2006/main">
+  <p:cSld>
+    <p:spTree>
+      <p:nvGrpSpPr>
+        <p:cNvPr id="1" name=""/>
+        <p:cNvGrpSpPr/>
+        <p:nvPr/>
+      </p:nvGrpSpPr>
+      <p:grpSpPr>
+        <a:xfrm>
+          <a:off x="0" y="0"/>
+          <a:ext cx="0" cy="0"/>
+          <a:chOff x="0" y="0"/>
+          <a:chExt cx="0" cy="0"/>
+        </a:xfrm>
+      </p:grpSpPr>
+      <p:sp>
+        <p:nvSpPr>
+          <p:cNvPr id="3" name="Title 2"/>
+          <p:cNvSpPr>
+            <a:spLocks noGrp="1"/>
+          </p:cNvSpPr>
+          <p:nvPr>
+            <p:ph type="title"/>
+          </p:nvPr>
+        </p:nvSpPr>
+        <p:spPr/>
+        <p:txBody>
+          <a:bodyPr/>
+          <a:lstStyle/>
+          <a:p>
+            <a:r>
+              <a:rPr lang="nl-NL" smtClean="0"/>
+              <a:t>DFS algoritme</a:t>
+            </a:r>
+            <a:endParaRPr lang="nl-NL" dirty="0"/>
+          </a:p>
+        </p:txBody>
+      </p:sp>
+      <p:pic>
+        <p:nvPicPr>
+          <p:cNvPr id="1029" name="Picture 5"/>
+          <p:cNvPicPr>
+            <a:picLocks noChangeAspect="1" noChangeArrowheads="1"/>
+          </p:cNvPicPr>
+          <p:nvPr/>
+        </p:nvPicPr>
+        <p:blipFill>
+          <a:blip r:embed="rId2">
+            <a:extLst>
+              <a:ext uri="{28A0092B-C50C-407E-A947-70E740481C1C}">
+                <a14:useLocalDpi xmlns:a14="http://schemas.microsoft.com/office/drawing/2010/main" val="0"/>
+              </a:ext>
+            </a:extLst>
+          </a:blip>
+          <a:stretch>
+            <a:fillRect/>
+          </a:stretch>
+        </p:blipFill>
+        <p:spPr bwMode="auto">
+          <a:xfrm>
+            <a:off x="2699792" y="692696"/>
+            <a:ext cx="3963303" cy="5525759"/>
+          </a:xfrm>
+          <a:prstGeom prst="rect">
+            <a:avLst/>
+          </a:prstGeom>
+          <a:noFill/>
+          <a:extLst>
+            <a:ext uri="{909E8E84-426E-40DD-AFC4-6F175D3DCCD1}">
+              <a14:hiddenFill xmlns:a14="http://schemas.microsoft.com/office/drawing/2010/main">
+                <a:solidFill>
+                  <a:srgbClr val="FFFFFF"/>
+                </a:solidFill>
+              </a14:hiddenFill>
+            </a:ext>
+          </a:extLst>
+        </p:spPr>
+      </p:pic>
+    </p:spTree>
+    <p:extLst>
+      <p:ext uri="{BB962C8B-B14F-4D97-AF65-F5344CB8AC3E}">
+        <p14:creationId xmlns:p14="http://schemas.microsoft.com/office/powerpoint/2010/main" val="2881377090"/>
+      </p:ext>
+    </p:extLst>
+  </p:cSld>
+  <p:clrMapOvr>
+    <a:masterClrMapping/>
+  </p:clrMapOvr>
+  <p:timing>
+    <p:tnLst>
+      <p:par>
+        <p:cTn id="1" dur="indefinite" restart="never" nodeType="tmRoot"/>
+      </p:par>
+    </p:tnLst>
+  </p:timing>
+</p:sld>
+</file>
+
+<file path=ppt/slides/slide15.xml><?xml version="1.0" encoding="utf-8"?>
+<p:sld xmlns:a="http://schemas.openxmlformats.org/drawingml/2006/main" xmlns:r="http://schemas.openxmlformats.org/officeDocument/2006/relationships" xmlns:p="http://schemas.openxmlformats.org/presentationml/2006/main">
+  <p:cSld>
+    <p:spTree>
+      <p:nvGrpSpPr>
+        <p:cNvPr id="1" name=""/>
+        <p:cNvGrpSpPr/>
+        <p:nvPr/>
+      </p:nvGrpSpPr>
+      <p:grpSpPr>
+        <a:xfrm>
+          <a:off x="0" y="0"/>
+          <a:ext cx="0" cy="0"/>
+          <a:chOff x="0" y="0"/>
+          <a:chExt cx="0" cy="0"/>
+        </a:xfrm>
+      </p:grpSpPr>
+      <p:sp>
+        <p:nvSpPr>
+          <p:cNvPr id="3" name="Title 2"/>
+          <p:cNvSpPr>
+            <a:spLocks noGrp="1"/>
+          </p:cNvSpPr>
+          <p:nvPr>
+            <p:ph type="title"/>
+          </p:nvPr>
+        </p:nvSpPr>
+        <p:spPr/>
+        <p:txBody>
+          <a:bodyPr/>
+          <a:lstStyle/>
+          <a:p>
+            <a:r>
+              <a:rPr lang="nl-NL" smtClean="0"/>
+              <a:t>DFS algoritme</a:t>
+            </a:r>
+            <a:endParaRPr lang="nl-NL" dirty="0"/>
+          </a:p>
+        </p:txBody>
+      </p:sp>
+      <p:pic>
+        <p:nvPicPr>
+          <p:cNvPr id="1029" name="Picture 5"/>
+          <p:cNvPicPr>
+            <a:picLocks noChangeAspect="1" noChangeArrowheads="1"/>
+          </p:cNvPicPr>
+          <p:nvPr/>
+        </p:nvPicPr>
+        <p:blipFill>
+          <a:blip r:embed="rId2">
+            <a:extLst>
+              <a:ext uri="{28A0092B-C50C-407E-A947-70E740481C1C}">
+                <a14:useLocalDpi xmlns:a14="http://schemas.microsoft.com/office/drawing/2010/main" val="0"/>
+              </a:ext>
+            </a:extLst>
+          </a:blip>
+          <a:stretch>
+            <a:fillRect/>
+          </a:stretch>
+        </p:blipFill>
+        <p:spPr bwMode="auto">
+          <a:xfrm>
+            <a:off x="2699792" y="692696"/>
+            <a:ext cx="3963303" cy="5525759"/>
+          </a:xfrm>
+          <a:prstGeom prst="rect">
+            <a:avLst/>
+          </a:prstGeom>
+          <a:noFill/>
+          <a:extLst>
+            <a:ext uri="{909E8E84-426E-40DD-AFC4-6F175D3DCCD1}">
+              <a14:hiddenFill xmlns:a14="http://schemas.microsoft.com/office/drawing/2010/main">
+                <a:solidFill>
+                  <a:srgbClr val="FFFFFF"/>
+                </a:solidFill>
+              </a14:hiddenFill>
+            </a:ext>
+          </a:extLst>
+        </p:spPr>
+      </p:pic>
+    </p:spTree>
+    <p:extLst>
+      <p:ext uri="{BB962C8B-B14F-4D97-AF65-F5344CB8AC3E}">
+        <p14:creationId xmlns:p14="http://schemas.microsoft.com/office/powerpoint/2010/main" val="205407365"/>
+      </p:ext>
+    </p:extLst>
+  </p:cSld>
+  <p:clrMapOvr>
+    <a:masterClrMapping/>
+  </p:clrMapOvr>
+  <p:timing>
+    <p:tnLst>
+      <p:par>
+        <p:cTn id="1" dur="indefinite" restart="never" nodeType="tmRoot"/>
+      </p:par>
+    </p:tnLst>
+  </p:timing>
+</p:sld>
+</file>
+
+<file path=ppt/slides/slide16.xml><?xml version="1.0" encoding="utf-8"?>
+<p:sld xmlns:a="http://schemas.openxmlformats.org/drawingml/2006/main" xmlns:r="http://schemas.openxmlformats.org/officeDocument/2006/relationships" xmlns:p="http://schemas.openxmlformats.org/presentationml/2006/main">
+  <p:cSld>
+    <p:spTree>
+      <p:nvGrpSpPr>
+        <p:cNvPr id="1" name=""/>
+        <p:cNvGrpSpPr/>
+        <p:nvPr/>
+      </p:nvGrpSpPr>
+      <p:grpSpPr>
+        <a:xfrm>
+          <a:off x="0" y="0"/>
+          <a:ext cx="0" cy="0"/>
+          <a:chOff x="0" y="0"/>
+          <a:chExt cx="0" cy="0"/>
+        </a:xfrm>
+      </p:grpSpPr>
+      <p:sp>
+        <p:nvSpPr>
+          <p:cNvPr id="3" name="Title 2"/>
+          <p:cNvSpPr>
+            <a:spLocks noGrp="1"/>
+          </p:cNvSpPr>
+          <p:nvPr>
+            <p:ph type="title"/>
+          </p:nvPr>
+        </p:nvSpPr>
+        <p:spPr/>
+        <p:txBody>
+          <a:bodyPr/>
+          <a:lstStyle/>
+          <a:p>
+            <a:r>
+              <a:rPr lang="nl-NL" dirty="0" smtClean="0"/>
+              <a:t>DFS algoritme</a:t>
+            </a:r>
+            <a:endParaRPr lang="nl-NL" dirty="0"/>
+          </a:p>
+        </p:txBody>
+      </p:sp>
+      <p:sp>
+        <p:nvSpPr>
+          <p:cNvPr id="4" name="TextBox 3"/>
+          <p:cNvSpPr txBox="1"/>
+          <p:nvPr/>
+        </p:nvSpPr>
+        <p:spPr>
+          <a:xfrm>
+            <a:off x="827584" y="2852936"/>
+            <a:ext cx="7704856" cy="2492990"/>
+          </a:xfrm>
+          <a:prstGeom prst="rect">
+            <a:avLst/>
+          </a:prstGeom>
+          <a:noFill/>
+        </p:spPr>
+        <p:txBody>
+          <a:bodyPr wrap="square" rtlCol="0">
+            <a:spAutoFit/>
+          </a:bodyPr>
+          <a:lstStyle/>
+          <a:p>
+            <a:pPr marL="285750" indent="-285750">
+              <a:buFont typeface="Arial" pitchFamily="34" charset="0"/>
+              <a:buChar char="•"/>
+            </a:pPr>
+            <a:r>
+              <a:rPr lang="nl-NL" sz="2800" dirty="0" smtClean="0"/>
+              <a:t>Recursief</a:t>
+            </a:r>
+          </a:p>
+          <a:p>
+            <a:pPr marL="285750" indent="-285750">
+              <a:buFont typeface="Arial" pitchFamily="34" charset="0"/>
+              <a:buChar char="•"/>
+            </a:pPr>
+            <a:r>
+              <a:rPr lang="nl-NL" sz="2800" dirty="0" smtClean="0"/>
+              <a:t>Controle op gamestates</a:t>
+            </a:r>
+          </a:p>
+          <a:p>
+            <a:pPr marL="285750" indent="-285750">
+              <a:buFont typeface="Arial" pitchFamily="34" charset="0"/>
+              <a:buChar char="•"/>
+            </a:pPr>
+            <a:r>
+              <a:rPr lang="nl-NL" sz="2800" dirty="0" smtClean="0"/>
+              <a:t>Lengte van oplossing &lt; vorige oplossing</a:t>
+            </a:r>
+          </a:p>
+          <a:p>
+            <a:pPr marL="285750" indent="-285750">
+              <a:buFont typeface="Arial" pitchFamily="34" charset="0"/>
+              <a:buChar char="•"/>
+            </a:pPr>
+            <a:endParaRPr lang="nl-NL" sz="2800" dirty="0"/>
+          </a:p>
+          <a:p>
+            <a:pPr algn="ctr"/>
+            <a:r>
+              <a:rPr lang="nl-NL" sz="4400" dirty="0" smtClean="0">
+                <a:solidFill>
+                  <a:srgbClr val="FF0000"/>
+                </a:solidFill>
+              </a:rPr>
+              <a:t>VEEL TE TRAAG!</a:t>
+            </a:r>
+            <a:endParaRPr lang="nl-NL" sz="4400" dirty="0">
+              <a:solidFill>
+                <a:srgbClr val="FF0000"/>
+              </a:solidFill>
+            </a:endParaRPr>
+          </a:p>
+        </p:txBody>
+      </p:sp>
+    </p:spTree>
+    <p:extLst>
+      <p:ext uri="{BB962C8B-B14F-4D97-AF65-F5344CB8AC3E}">
+        <p14:creationId xmlns:p14="http://schemas.microsoft.com/office/powerpoint/2010/main" val="1793622667"/>
+      </p:ext>
+    </p:extLst>
+  </p:cSld>
+  <p:clrMapOvr>
+    <a:masterClrMapping/>
+  </p:clrMapOvr>
+  <p:timing>
+    <p:tnLst>
+      <p:par>
+        <p:cTn id="1" dur="indefinite" restart="never" nodeType="tmRoot">
+          <p:childTnLst>
+            <p:seq concurrent="1" nextAc="seek">
+              <p:cTn id="2" dur="indefinite" nodeType="mainSeq">
+                <p:childTnLst>
+                  <p:par>
+                    <p:cTn id="3" fill="hold">
+                      <p:stCondLst>
+                        <p:cond delay="indefinite"/>
+                      </p:stCondLst>
+                      <p:childTnLst>
+                        <p:par>
+                          <p:cTn id="4" fill="hold">
+                            <p:stCondLst>
+                              <p:cond delay="0"/>
+                            </p:stCondLst>
+                            <p:childTnLst>
+                              <p:par>
+                                <p:cTn id="5" presetID="1" presetClass="entr" presetSubtype="0" fill="hold" nodeType="clickEffect">
+                                  <p:stCondLst>
+                                    <p:cond delay="0"/>
+                                  </p:stCondLst>
+                                  <p:childTnLst>
+                                    <p:set>
+                                      <p:cBhvr>
+                                        <p:cTn id="6" dur="1" fill="hold">
+                                          <p:stCondLst>
+                                            <p:cond delay="0"/>
+                                          </p:stCondLst>
+                                        </p:cTn>
+                                        <p:tgtEl>
+                                          <p:spTgt spid="4">
+                                            <p:txEl>
+                                              <p:pRg st="4" end="4"/>
+                                            </p:txEl>
+                                          </p:spTgt>
+                                        </p:tgtEl>
+                                        <p:attrNameLst>
+                                          <p:attrName>style.visibility</p:attrName>
+                                        </p:attrNameLst>
+                                      </p:cBhvr>
+                                      <p:to>
+                                        <p:strVal val="visible"/>
+                                      </p:to>
+                                    </p:set>
+                                  </p:childTnLst>
+                                </p:cTn>
+                              </p:par>
+                            </p:childTnLst>
+                          </p:cTn>
+                        </p:par>
+                      </p:childTnLst>
+                    </p:cTn>
+                  </p:par>
+                </p:childTnLst>
+              </p:cTn>
+              <p:prevCondLst>
+                <p:cond evt="onPrev" delay="0">
+                  <p:tgtEl>
+                    <p:sldTgt/>
+                  </p:tgtEl>
+                </p:cond>
+              </p:prevCondLst>
+              <p:nextCondLst>
+                <p:cond evt="onNext" delay="0">
+                  <p:tgtEl>
+                    <p:sldTgt/>
+                  </p:tgtEl>
+                </p:cond>
+              </p:nextCondLst>
+            </p:seq>
+          </p:childTnLst>
+        </p:cTn>
+      </p:par>
+    </p:tnLst>
+  </p:timing>
+</p:sld>
+</file>
+
+<file path=ppt/slides/slide17.xml><?xml version="1.0" encoding="utf-8"?>
+<p:sld xmlns:a="http://schemas.openxmlformats.org/drawingml/2006/main" xmlns:r="http://schemas.openxmlformats.org/officeDocument/2006/relationships" xmlns:p="http://schemas.openxmlformats.org/presentationml/2006/main">
+  <p:cSld>
+    <p:spTree>
+      <p:nvGrpSpPr>
+        <p:cNvPr id="1" name=""/>
+        <p:cNvGrpSpPr/>
+        <p:nvPr/>
+      </p:nvGrpSpPr>
+      <p:grpSpPr>
+        <a:xfrm>
+          <a:off x="0" y="0"/>
+          <a:ext cx="0" cy="0"/>
+          <a:chOff x="0" y="0"/>
+          <a:chExt cx="0" cy="0"/>
+        </a:xfrm>
+      </p:grpSpPr>
+      <p:sp>
+        <p:nvSpPr>
+          <p:cNvPr id="3" name="Title 2"/>
+          <p:cNvSpPr>
+            <a:spLocks noGrp="1"/>
+          </p:cNvSpPr>
+          <p:nvPr>
+            <p:ph type="title"/>
+          </p:nvPr>
+        </p:nvSpPr>
+        <p:spPr/>
+        <p:txBody>
+          <a:bodyPr/>
+          <a:lstStyle/>
+          <a:p>
+            <a:r>
+              <a:rPr lang="nl-NL" dirty="0" smtClean="0"/>
+              <a:t>DFS algoritme</a:t>
+            </a:r>
+            <a:endParaRPr lang="nl-NL" dirty="0"/>
+          </a:p>
+        </p:txBody>
+      </p:sp>
+      <p:sp>
+        <p:nvSpPr>
+          <p:cNvPr id="4" name="TextBox 3"/>
+          <p:cNvSpPr txBox="1"/>
+          <p:nvPr/>
+        </p:nvSpPr>
+        <p:spPr>
+          <a:xfrm>
+            <a:off x="827584" y="2852936"/>
+            <a:ext cx="7704856" cy="2031325"/>
+          </a:xfrm>
+          <a:prstGeom prst="rect">
+            <a:avLst/>
+          </a:prstGeom>
+          <a:noFill/>
+        </p:spPr>
+        <p:txBody>
+          <a:bodyPr wrap="square" rtlCol="0">
+            <a:spAutoFit/>
+          </a:bodyPr>
+          <a:lstStyle/>
+          <a:p>
+            <a:pPr marL="285750" indent="-285750">
+              <a:buFont typeface="Arial" pitchFamily="34" charset="0"/>
+              <a:buChar char="•"/>
+            </a:pPr>
+            <a:r>
+              <a:rPr lang="nl-NL" dirty="0" smtClean="0"/>
+              <a:t>Recursief</a:t>
+            </a:r>
+          </a:p>
+          <a:p>
+            <a:pPr marL="285750" indent="-285750">
+              <a:buFont typeface="Arial" pitchFamily="34" charset="0"/>
+              <a:buChar char="•"/>
+            </a:pPr>
+            <a:r>
+              <a:rPr lang="nl-NL" dirty="0" smtClean="0"/>
+              <a:t>Controle op gamestates</a:t>
+            </a:r>
+          </a:p>
+          <a:p>
+            <a:pPr marL="285750" indent="-285750">
+              <a:buFont typeface="Arial" pitchFamily="34" charset="0"/>
+              <a:buChar char="•"/>
+            </a:pPr>
+            <a:r>
+              <a:rPr lang="nl-NL" dirty="0" smtClean="0"/>
+              <a:t>Lengte van oplossing &lt; vorige oplossing</a:t>
+            </a:r>
+          </a:p>
+          <a:p>
+            <a:pPr marL="285750" indent="-285750">
+              <a:buFont typeface="Arial" pitchFamily="34" charset="0"/>
+              <a:buChar char="•"/>
+            </a:pPr>
+            <a:endParaRPr lang="nl-NL" sz="2800" dirty="0"/>
+          </a:p>
+          <a:p>
+            <a:pPr algn="ctr"/>
+            <a:r>
+              <a:rPr lang="nl-NL" sz="4400" dirty="0" smtClean="0">
+                <a:solidFill>
+                  <a:srgbClr val="FF0000"/>
+                </a:solidFill>
+              </a:rPr>
+              <a:t>WAT NU?</a:t>
+            </a:r>
+            <a:endParaRPr lang="nl-NL" sz="4400" dirty="0">
+              <a:solidFill>
+                <a:srgbClr val="FF0000"/>
+              </a:solidFill>
+            </a:endParaRPr>
+          </a:p>
+        </p:txBody>
+      </p:sp>
+    </p:spTree>
+    <p:extLst>
+      <p:ext uri="{BB962C8B-B14F-4D97-AF65-F5344CB8AC3E}">
+        <p14:creationId xmlns:p14="http://schemas.microsoft.com/office/powerpoint/2010/main" val="2923228688"/>
+      </p:ext>
+    </p:extLst>
+  </p:cSld>
+  <p:clrMapOvr>
+    <a:masterClrMapping/>
+  </p:clrMapOvr>
+  <p:timing>
+    <p:tnLst>
+      <p:par>
+        <p:cTn id="1" dur="indefinite" restart="never" nodeType="tmRoot"/>
+      </p:par>
+    </p:tnLst>
+  </p:timing>
+</p:sld>
+</file>
+
+<file path=ppt/slides/slide18.xml><?xml version="1.0" encoding="utf-8"?>
+<p:sld xmlns:a="http://schemas.openxmlformats.org/drawingml/2006/main" xmlns:r="http://schemas.openxmlformats.org/officeDocument/2006/relationships" xmlns:p="http://schemas.openxmlformats.org/presentationml/2006/main">
+  <p:cSld>
+    <p:spTree>
+      <p:nvGrpSpPr>
+        <p:cNvPr id="1" name=""/>
+        <p:cNvGrpSpPr/>
+        <p:nvPr/>
+      </p:nvGrpSpPr>
+      <p:grpSpPr>
+        <a:xfrm>
+          <a:off x="0" y="0"/>
+          <a:ext cx="0" cy="0"/>
+          <a:chOff x="0" y="0"/>
+          <a:chExt cx="0" cy="0"/>
+        </a:xfrm>
+      </p:grpSpPr>
+      <p:sp>
+        <p:nvSpPr>
+          <p:cNvPr id="3" name="Title 2"/>
+          <p:cNvSpPr>
+            <a:spLocks noGrp="1"/>
+          </p:cNvSpPr>
+          <p:nvPr>
+            <p:ph type="title"/>
+          </p:nvPr>
+        </p:nvSpPr>
+        <p:spPr/>
+        <p:txBody>
+          <a:bodyPr/>
+          <a:lstStyle/>
+          <a:p>
+            <a:r>
+              <a:rPr lang="nl-NL" dirty="0" smtClean="0"/>
+              <a:t>DFS algoritme</a:t>
+            </a:r>
+            <a:endParaRPr lang="nl-NL" dirty="0"/>
+          </a:p>
+        </p:txBody>
+      </p:sp>
+      <p:sp>
+        <p:nvSpPr>
+          <p:cNvPr id="4" name="TextBox 3"/>
+          <p:cNvSpPr txBox="1"/>
+          <p:nvPr/>
+        </p:nvSpPr>
+        <p:spPr>
+          <a:xfrm>
+            <a:off x="796802" y="2457181"/>
+            <a:ext cx="7704856" cy="769441"/>
+          </a:xfrm>
+          <a:prstGeom prst="rect">
+            <a:avLst/>
+          </a:prstGeom>
+          <a:noFill/>
+        </p:spPr>
+        <p:txBody>
+          <a:bodyPr wrap="square" rtlCol="0">
+            <a:spAutoFit/>
+          </a:bodyPr>
+          <a:lstStyle/>
+          <a:p>
+            <a:pPr algn="ctr"/>
+            <a:r>
+              <a:rPr lang="nl-NL" sz="4400" dirty="0" smtClean="0">
+                <a:solidFill>
+                  <a:srgbClr val="FF0000"/>
+                </a:solidFill>
+              </a:rPr>
+              <a:t>Oplossingen?</a:t>
+            </a:r>
+            <a:endParaRPr lang="nl-NL" sz="4400" dirty="0">
+              <a:solidFill>
+                <a:srgbClr val="FF0000"/>
+              </a:solidFill>
+            </a:endParaRPr>
+          </a:p>
+        </p:txBody>
+      </p:sp>
+      <p:sp>
+        <p:nvSpPr>
+          <p:cNvPr id="5" name="TextBox 4"/>
+          <p:cNvSpPr txBox="1"/>
+          <p:nvPr/>
+        </p:nvSpPr>
+        <p:spPr>
+          <a:xfrm>
+            <a:off x="827584" y="3429000"/>
+            <a:ext cx="7704856" cy="2246769"/>
+          </a:xfrm>
+          <a:prstGeom prst="rect">
+            <a:avLst/>
+          </a:prstGeom>
+          <a:noFill/>
+        </p:spPr>
+        <p:txBody>
+          <a:bodyPr wrap="square" rtlCol="0">
+            <a:spAutoFit/>
+          </a:bodyPr>
+          <a:lstStyle/>
+          <a:p>
+            <a:pPr marL="285750" indent="-285750">
+              <a:buFont typeface="Arial" pitchFamily="34" charset="0"/>
+              <a:buChar char="•"/>
+            </a:pPr>
+            <a:r>
+              <a:rPr lang="nl-NL" sz="2800" dirty="0" smtClean="0"/>
+              <a:t>Gerichter zoeken	 </a:t>
+            </a:r>
+            <a:r>
+              <a:rPr lang="nl-NL" sz="2800" i="1" dirty="0" smtClean="0"/>
+              <a:t>focussen op blokkades?</a:t>
+            </a:r>
+          </a:p>
+          <a:p>
+            <a:pPr marL="285750" indent="-285750">
+              <a:buFont typeface="Arial" pitchFamily="34" charset="0"/>
+              <a:buChar char="•"/>
+            </a:pPr>
+            <a:endParaRPr lang="nl-NL" sz="2800" i="1" dirty="0" smtClean="0"/>
+          </a:p>
+          <a:p>
+            <a:pPr marL="285750" indent="-285750">
+              <a:buFont typeface="Arial" pitchFamily="34" charset="0"/>
+              <a:buChar char="•"/>
+            </a:pPr>
+            <a:r>
+              <a:rPr lang="nl-NL" sz="2800" dirty="0" smtClean="0"/>
+              <a:t>Optimaliseren van de rushhour kern</a:t>
+            </a:r>
+          </a:p>
+          <a:p>
+            <a:pPr marL="285750" indent="-285750">
+              <a:buFont typeface="Arial" pitchFamily="34" charset="0"/>
+              <a:buChar char="•"/>
+            </a:pPr>
+            <a:endParaRPr lang="nl-NL" sz="2800" i="1" dirty="0" smtClean="0"/>
+          </a:p>
+          <a:p>
+            <a:pPr marL="285750" indent="-285750">
+              <a:buFont typeface="Arial" pitchFamily="34" charset="0"/>
+              <a:buChar char="•"/>
+            </a:pPr>
+            <a:r>
+              <a:rPr lang="nl-NL" sz="2800" dirty="0" smtClean="0"/>
+              <a:t>Ander algorithme: 	</a:t>
+            </a:r>
+            <a:r>
+              <a:rPr lang="nl-NL" sz="2800" i="1" dirty="0" smtClean="0"/>
+              <a:t>Breadth-First</a:t>
+            </a:r>
+          </a:p>
+        </p:txBody>
+      </p:sp>
+    </p:spTree>
+    <p:extLst>
+      <p:ext uri="{BB962C8B-B14F-4D97-AF65-F5344CB8AC3E}">
+        <p14:creationId xmlns:p14="http://schemas.microsoft.com/office/powerpoint/2010/main" val="2793707912"/>
+      </p:ext>
+    </p:extLst>
+  </p:cSld>
+  <p:clrMapOvr>
+    <a:masterClrMapping/>
+  </p:clrMapOvr>
+  <p:timing>
+    <p:tnLst>
+      <p:par>
+        <p:cTn id="1" dur="indefinite" restart="never" nodeType="tmRoot">
+          <p:childTnLst>
+            <p:seq concurrent="1" nextAc="seek">
+              <p:cTn id="2" dur="indefinite" nodeType="mainSeq">
+                <p:childTnLst>
+                  <p:par>
+                    <p:cTn id="3" fill="hold">
+                      <p:stCondLst>
+                        <p:cond delay="indefinite"/>
+                      </p:stCondLst>
+                      <p:childTnLst>
+                        <p:par>
+                          <p:cTn id="4" fill="hold">
+                            <p:stCondLst>
+                              <p:cond delay="0"/>
+                            </p:stCondLst>
+                            <p:childTnLst>
+                              <p:par>
+                                <p:cTn id="5" presetID="1" presetClass="entr" presetSubtype="0" fill="hold" nodeType="clickEffect">
+                                  <p:stCondLst>
+                                    <p:cond delay="0"/>
+                                  </p:stCondLst>
+                                  <p:childTnLst>
+                                    <p:set>
+                                      <p:cBhvr>
+                                        <p:cTn id="6" dur="1" fill="hold">
+                                          <p:stCondLst>
+                                            <p:cond delay="0"/>
+                                          </p:stCondLst>
+                                        </p:cTn>
+                                        <p:tgtEl>
+                                          <p:spTgt spid="5">
+                                            <p:txEl>
+                                              <p:pRg st="0" end="0"/>
+                                            </p:txEl>
+                                          </p:spTgt>
+                                        </p:tgtEl>
+                                        <p:attrNameLst>
+                                          <p:attrName>style.visibility</p:attrName>
+                                        </p:attrNameLst>
+                                      </p:cBhvr>
+                                      <p:to>
+                                        <p:strVal val="visible"/>
+                                      </p:to>
+                                    </p:set>
+                                  </p:childTnLst>
+                                </p:cTn>
+                              </p:par>
+                            </p:childTnLst>
+                          </p:cTn>
+                        </p:par>
+                      </p:childTnLst>
+                    </p:cTn>
+                  </p:par>
+                  <p:par>
+                    <p:cTn id="7" fill="hold">
+                      <p:stCondLst>
+                        <p:cond delay="indefinite"/>
+                      </p:stCondLst>
+                      <p:childTnLst>
+                        <p:par>
+                          <p:cTn id="8" fill="hold">
+                            <p:stCondLst>
+                              <p:cond delay="0"/>
+                            </p:stCondLst>
+                            <p:childTnLst>
+                              <p:par>
+                                <p:cTn id="9" presetID="1" presetClass="entr" presetSubtype="0" fill="hold" nodeType="clickEffect">
+                                  <p:stCondLst>
+                                    <p:cond delay="0"/>
+                                  </p:stCondLst>
+                                  <p:childTnLst>
+                                    <p:set>
+                                      <p:cBhvr>
+                                        <p:cTn id="10" dur="1" fill="hold">
+                                          <p:stCondLst>
+                                            <p:cond delay="0"/>
+                                          </p:stCondLst>
+                                        </p:cTn>
+                                        <p:tgtEl>
+                                          <p:spTgt spid="5">
+                                            <p:txEl>
+                                              <p:pRg st="2" end="2"/>
+                                            </p:txEl>
+                                          </p:spTgt>
+                                        </p:tgtEl>
+                                        <p:attrNameLst>
+                                          <p:attrName>style.visibility</p:attrName>
+                                        </p:attrNameLst>
+                                      </p:cBhvr>
+                                      <p:to>
+                                        <p:strVal val="visible"/>
+                                      </p:to>
+                                    </p:set>
+                                  </p:childTnLst>
+                                </p:cTn>
+                              </p:par>
+                            </p:childTnLst>
+                          </p:cTn>
+                        </p:par>
+                      </p:childTnLst>
+                    </p:cTn>
+                  </p:par>
+                  <p:par>
+                    <p:cTn id="11" fill="hold">
+                      <p:stCondLst>
+                        <p:cond delay="indefinite"/>
+                      </p:stCondLst>
+                      <p:childTnLst>
+                        <p:par>
+                          <p:cTn id="12" fill="hold">
+                            <p:stCondLst>
+                              <p:cond delay="0"/>
+                            </p:stCondLst>
+                            <p:childTnLst>
+                              <p:par>
+                                <p:cTn id="13" presetID="1" presetClass="entr" presetSubtype="0" fill="hold" nodeType="clickEffect">
+                                  <p:stCondLst>
+                                    <p:cond delay="0"/>
+                                  </p:stCondLst>
+                                  <p:childTnLst>
+                                    <p:set>
+                                      <p:cBhvr>
+                                        <p:cTn id="14" dur="1" fill="hold">
+                                          <p:stCondLst>
+                                            <p:cond delay="0"/>
+                                          </p:stCondLst>
+                                        </p:cTn>
+                                        <p:tgtEl>
+                                          <p:spTgt spid="5">
+                                            <p:txEl>
+                                              <p:pRg st="4" end="4"/>
+                                            </p:txEl>
+                                          </p:spTgt>
+                                        </p:tgtEl>
+                                        <p:attrNameLst>
+                                          <p:attrName>style.visibility</p:attrName>
+                                        </p:attrNameLst>
+                                      </p:cBhvr>
+                                      <p:to>
+                                        <p:strVal val="visible"/>
+                                      </p:to>
+                                    </p:set>
+                                  </p:childTnLst>
+                                </p:cTn>
+                              </p:par>
+                            </p:childTnLst>
+                          </p:cTn>
+                        </p:par>
+                      </p:childTnLst>
+                    </p:cTn>
+                  </p:par>
+                </p:childTnLst>
+              </p:cTn>
+              <p:prevCondLst>
+                <p:cond evt="onPrev" delay="0">
+                  <p:tgtEl>
+                    <p:sldTgt/>
+                  </p:tgtEl>
+                </p:cond>
+              </p:prevCondLst>
+              <p:nextCondLst>
+                <p:cond evt="onNext" delay="0">
+                  <p:tgtEl>
+                    <p:sldTgt/>
+                  </p:tgtEl>
+                </p:cond>
+              </p:nextCondLst>
+            </p:seq>
+          </p:childTnLst>
+        </p:cTn>
+      </p:par>
+    </p:tnLst>
+  </p:timing>
+</p:sld>
+</file>
+
+<file path=ppt/slides/slide19.xml><?xml version="1.0" encoding="utf-8"?>
+<p:sld xmlns:a="http://schemas.openxmlformats.org/drawingml/2006/main" xmlns:r="http://schemas.openxmlformats.org/officeDocument/2006/relationships" xmlns:p="http://schemas.openxmlformats.org/presentationml/2006/main">
+  <p:cSld>
+    <p:spTree>
+      <p:nvGrpSpPr>
+        <p:cNvPr id="1" name=""/>
+        <p:cNvGrpSpPr/>
+        <p:nvPr/>
+      </p:nvGrpSpPr>
+      <p:grpSpPr>
+        <a:xfrm>
+          <a:off x="0" y="0"/>
+          <a:ext cx="0" cy="0"/>
+          <a:chOff x="0" y="0"/>
+          <a:chExt cx="0" cy="0"/>
+        </a:xfrm>
+      </p:grpSpPr>
+      <p:sp>
+        <p:nvSpPr>
+          <p:cNvPr id="3" name="Title 2"/>
+          <p:cNvSpPr>
+            <a:spLocks noGrp="1"/>
+          </p:cNvSpPr>
+          <p:nvPr>
+            <p:ph type="title"/>
+          </p:nvPr>
+        </p:nvSpPr>
+        <p:spPr/>
+        <p:txBody>
+          <a:bodyPr/>
+          <a:lstStyle/>
+          <a:p>
+            <a:r>
+              <a:rPr lang="nl-NL" dirty="0" smtClean="0"/>
+              <a:t>DFS algoritme</a:t>
+            </a:r>
+            <a:endParaRPr lang="nl-NL" dirty="0"/>
+          </a:p>
+        </p:txBody>
+      </p:sp>
+      <p:sp>
+        <p:nvSpPr>
+          <p:cNvPr id="4" name="TextBox 3"/>
+          <p:cNvSpPr txBox="1"/>
+          <p:nvPr/>
+        </p:nvSpPr>
+        <p:spPr>
+          <a:xfrm>
+            <a:off x="796802" y="2457181"/>
+            <a:ext cx="7704856" cy="769441"/>
+          </a:xfrm>
+          <a:prstGeom prst="rect">
+            <a:avLst/>
+          </a:prstGeom>
+          <a:noFill/>
+        </p:spPr>
+        <p:txBody>
+          <a:bodyPr wrap="square" rtlCol="0">
+            <a:spAutoFit/>
+          </a:bodyPr>
+          <a:lstStyle/>
+          <a:p>
+            <a:pPr algn="ctr"/>
+            <a:r>
+              <a:rPr lang="nl-NL" sz="4400" dirty="0" smtClean="0">
+                <a:solidFill>
+                  <a:srgbClr val="FF0000"/>
+                </a:solidFill>
+              </a:rPr>
+              <a:t>Oplossingen?</a:t>
+            </a:r>
+            <a:endParaRPr lang="nl-NL" sz="4400" dirty="0">
+              <a:solidFill>
+                <a:srgbClr val="FF0000"/>
+              </a:solidFill>
+            </a:endParaRPr>
+          </a:p>
+        </p:txBody>
+      </p:sp>
+      <p:sp>
+        <p:nvSpPr>
+          <p:cNvPr id="5" name="TextBox 4"/>
+          <p:cNvSpPr txBox="1"/>
+          <p:nvPr/>
+        </p:nvSpPr>
+        <p:spPr>
+          <a:xfrm>
+            <a:off x="827584" y="3429000"/>
+            <a:ext cx="7704856" cy="2246769"/>
+          </a:xfrm>
+          <a:prstGeom prst="rect">
+            <a:avLst/>
+          </a:prstGeom>
+          <a:noFill/>
+        </p:spPr>
+        <p:txBody>
+          <a:bodyPr wrap="square" rtlCol="0">
+            <a:spAutoFit/>
+          </a:bodyPr>
+          <a:lstStyle/>
+          <a:p>
+            <a:pPr marL="285750" indent="-285750">
+              <a:buFont typeface="Arial" pitchFamily="34" charset="0"/>
+              <a:buChar char="•"/>
+            </a:pPr>
+            <a:r>
+              <a:rPr lang="nl-NL" sz="2800" dirty="0" smtClean="0"/>
+              <a:t>Gerichter zoeken	 </a:t>
+            </a:r>
+            <a:r>
+              <a:rPr lang="nl-NL" sz="2800" i="1" dirty="0" smtClean="0"/>
+              <a:t>focussen op blokkades?</a:t>
+            </a:r>
+          </a:p>
+          <a:p>
+            <a:pPr marL="285750" indent="-285750">
+              <a:buFont typeface="Arial" pitchFamily="34" charset="0"/>
+              <a:buChar char="•"/>
+            </a:pPr>
+            <a:endParaRPr lang="nl-NL" sz="2800" i="1" dirty="0" smtClean="0"/>
+          </a:p>
+          <a:p>
+            <a:pPr marL="285750" indent="-285750">
+              <a:buFont typeface="Arial" pitchFamily="34" charset="0"/>
+              <a:buChar char="•"/>
+            </a:pPr>
+            <a:r>
+              <a:rPr lang="nl-NL" sz="2800" dirty="0" smtClean="0"/>
+              <a:t>Optimaliseren van de rushhour kern</a:t>
+            </a:r>
+          </a:p>
+          <a:p>
+            <a:pPr marL="285750" indent="-285750">
+              <a:buFont typeface="Arial" pitchFamily="34" charset="0"/>
+              <a:buChar char="•"/>
+            </a:pPr>
+            <a:endParaRPr lang="nl-NL" sz="2800" i="1" dirty="0" smtClean="0"/>
+          </a:p>
+          <a:p>
+            <a:pPr marL="285750" indent="-285750">
+              <a:buFont typeface="Arial" pitchFamily="34" charset="0"/>
+              <a:buChar char="•"/>
+            </a:pPr>
+            <a:r>
+              <a:rPr lang="nl-NL" sz="2800" dirty="0" smtClean="0">
+                <a:solidFill>
+                  <a:schemeClr val="accent3">
+                    <a:lumMod val="75000"/>
+                  </a:schemeClr>
+                </a:solidFill>
+              </a:rPr>
+              <a:t>Ander algorithme: 	</a:t>
+            </a:r>
+            <a:r>
+              <a:rPr lang="nl-NL" sz="2800" i="1" dirty="0" smtClean="0">
+                <a:solidFill>
+                  <a:schemeClr val="accent3">
+                    <a:lumMod val="75000"/>
+                  </a:schemeClr>
+                </a:solidFill>
+              </a:rPr>
+              <a:t>Breadth-First</a:t>
+            </a:r>
+          </a:p>
+        </p:txBody>
+      </p:sp>
+    </p:spTree>
+    <p:extLst>
+      <p:ext uri="{BB962C8B-B14F-4D97-AF65-F5344CB8AC3E}">
+        <p14:creationId xmlns:p14="http://schemas.microsoft.com/office/powerpoint/2010/main" val="1503317214"/>
+      </p:ext>
+    </p:extLst>
+  </p:cSld>
+  <p:clrMapOvr>
+    <a:masterClrMapping/>
+  </p:clrMapOvr>
+  <p:timing>
+    <p:tnLst>
+      <p:par>
+        <p:cTn id="1" dur="indefinite" restart="never" nodeType="tmRoot"/>
+      </p:par>
+    </p:tnLst>
+  </p:timing>
 </p:sld>
 </file>
 
@@ -14768,6 +16268,750 @@
   <p:clrMapOvr>
     <a:masterClrMapping/>
   </p:clrMapOvr>
+  <p:timing>
+    <p:tnLst>
+      <p:par>
+        <p:cTn id="1" dur="indefinite" restart="never" nodeType="tmRoot"/>
+      </p:par>
+    </p:tnLst>
+  </p:timing>
+</p:sld>
+</file>
+
+<file path=ppt/slides/slide20.xml><?xml version="1.0" encoding="utf-8"?>
+<p:sld xmlns:a="http://schemas.openxmlformats.org/drawingml/2006/main" xmlns:r="http://schemas.openxmlformats.org/officeDocument/2006/relationships" xmlns:p="http://schemas.openxmlformats.org/presentationml/2006/main">
+  <p:cSld>
+    <p:spTree>
+      <p:nvGrpSpPr>
+        <p:cNvPr id="1" name=""/>
+        <p:cNvGrpSpPr/>
+        <p:nvPr/>
+      </p:nvGrpSpPr>
+      <p:grpSpPr>
+        <a:xfrm>
+          <a:off x="0" y="0"/>
+          <a:ext cx="0" cy="0"/>
+          <a:chOff x="0" y="0"/>
+          <a:chExt cx="0" cy="0"/>
+        </a:xfrm>
+      </p:grpSpPr>
+      <p:sp>
+        <p:nvSpPr>
+          <p:cNvPr id="3" name="Title 2"/>
+          <p:cNvSpPr>
+            <a:spLocks noGrp="1"/>
+          </p:cNvSpPr>
+          <p:nvPr>
+            <p:ph type="title"/>
+          </p:nvPr>
+        </p:nvSpPr>
+        <p:spPr/>
+        <p:txBody>
+          <a:bodyPr/>
+          <a:lstStyle/>
+          <a:p>
+            <a:r>
+              <a:rPr lang="nl-NL" dirty="0" smtClean="0"/>
+              <a:t>BFS</a:t>
+            </a:r>
+            <a:r>
+              <a:rPr lang="nl-NL" dirty="0" smtClean="0"/>
+              <a:t> </a:t>
+            </a:r>
+            <a:r>
+              <a:rPr lang="nl-NL" dirty="0" smtClean="0"/>
+              <a:t>algoritme</a:t>
+            </a:r>
+            <a:endParaRPr lang="nl-NL" dirty="0"/>
+          </a:p>
+        </p:txBody>
+      </p:sp>
+      <p:sp>
+        <p:nvSpPr>
+          <p:cNvPr id="4" name="TextBox 3"/>
+          <p:cNvSpPr txBox="1"/>
+          <p:nvPr/>
+        </p:nvSpPr>
+        <p:spPr>
+          <a:xfrm>
+            <a:off x="840110" y="2847975"/>
+            <a:ext cx="7704856" cy="2492990"/>
+          </a:xfrm>
+          <a:prstGeom prst="rect">
+            <a:avLst/>
+          </a:prstGeom>
+          <a:noFill/>
+        </p:spPr>
+        <p:txBody>
+          <a:bodyPr wrap="square" rtlCol="0">
+            <a:spAutoFit/>
+          </a:bodyPr>
+          <a:lstStyle/>
+          <a:p>
+            <a:pPr marL="285750" indent="-285750">
+              <a:buFont typeface="Arial" pitchFamily="34" charset="0"/>
+              <a:buChar char="•"/>
+            </a:pPr>
+            <a:r>
+              <a:rPr lang="nl-NL" sz="2800" dirty="0" smtClean="0"/>
+              <a:t>Iteratief</a:t>
+            </a:r>
+          </a:p>
+          <a:p>
+            <a:pPr marL="285750" indent="-285750">
+              <a:buFont typeface="Arial" pitchFamily="34" charset="0"/>
+              <a:buChar char="•"/>
+            </a:pPr>
+            <a:r>
+              <a:rPr lang="nl-NL" sz="2800" dirty="0" smtClean="0"/>
+              <a:t>Controle op gamestates</a:t>
+            </a:r>
+          </a:p>
+          <a:p>
+            <a:pPr marL="285750" indent="-285750">
+              <a:buFont typeface="Arial" pitchFamily="34" charset="0"/>
+              <a:buChar char="•"/>
+            </a:pPr>
+            <a:r>
+              <a:rPr lang="nl-NL" sz="2800" dirty="0" smtClean="0"/>
+              <a:t>Eerste oplossing is ook meteen de optimale</a:t>
+            </a:r>
+          </a:p>
+          <a:p>
+            <a:pPr marL="285750" indent="-285750">
+              <a:buFont typeface="Arial" pitchFamily="34" charset="0"/>
+              <a:buChar char="•"/>
+            </a:pPr>
+            <a:endParaRPr lang="nl-NL" sz="2800" dirty="0"/>
+          </a:p>
+          <a:p>
+            <a:pPr algn="ctr"/>
+            <a:r>
+              <a:rPr lang="nl-NL" sz="4400" dirty="0" smtClean="0"/>
+              <a:t>VEEL SNELLER!</a:t>
+            </a:r>
+            <a:endParaRPr lang="nl-NL" sz="4400" dirty="0"/>
+          </a:p>
+        </p:txBody>
+      </p:sp>
+    </p:spTree>
+    <p:extLst>
+      <p:ext uri="{BB962C8B-B14F-4D97-AF65-F5344CB8AC3E}">
+        <p14:creationId xmlns:p14="http://schemas.microsoft.com/office/powerpoint/2010/main" val="1206645129"/>
+      </p:ext>
+    </p:extLst>
+  </p:cSld>
+  <p:clrMapOvr>
+    <a:masterClrMapping/>
+  </p:clrMapOvr>
+  <p:timing>
+    <p:tnLst>
+      <p:par>
+        <p:cTn id="1" dur="indefinite" restart="never" nodeType="tmRoot">
+          <p:childTnLst>
+            <p:seq concurrent="1" nextAc="seek">
+              <p:cTn id="2" dur="indefinite" nodeType="mainSeq">
+                <p:childTnLst>
+                  <p:par>
+                    <p:cTn id="3" fill="hold">
+                      <p:stCondLst>
+                        <p:cond delay="indefinite"/>
+                      </p:stCondLst>
+                      <p:childTnLst>
+                        <p:par>
+                          <p:cTn id="4" fill="hold">
+                            <p:stCondLst>
+                              <p:cond delay="0"/>
+                            </p:stCondLst>
+                            <p:childTnLst>
+                              <p:par>
+                                <p:cTn id="5" presetID="1" presetClass="entr" presetSubtype="0" fill="hold" nodeType="clickEffect">
+                                  <p:stCondLst>
+                                    <p:cond delay="0"/>
+                                  </p:stCondLst>
+                                  <p:childTnLst>
+                                    <p:set>
+                                      <p:cBhvr>
+                                        <p:cTn id="6" dur="1" fill="hold">
+                                          <p:stCondLst>
+                                            <p:cond delay="0"/>
+                                          </p:stCondLst>
+                                        </p:cTn>
+                                        <p:tgtEl>
+                                          <p:spTgt spid="4">
+                                            <p:txEl>
+                                              <p:pRg st="0" end="0"/>
+                                            </p:txEl>
+                                          </p:spTgt>
+                                        </p:tgtEl>
+                                        <p:attrNameLst>
+                                          <p:attrName>style.visibility</p:attrName>
+                                        </p:attrNameLst>
+                                      </p:cBhvr>
+                                      <p:to>
+                                        <p:strVal val="visible"/>
+                                      </p:to>
+                                    </p:set>
+                                  </p:childTnLst>
+                                </p:cTn>
+                              </p:par>
+                            </p:childTnLst>
+                          </p:cTn>
+                        </p:par>
+                      </p:childTnLst>
+                    </p:cTn>
+                  </p:par>
+                  <p:par>
+                    <p:cTn id="7" fill="hold">
+                      <p:stCondLst>
+                        <p:cond delay="indefinite"/>
+                      </p:stCondLst>
+                      <p:childTnLst>
+                        <p:par>
+                          <p:cTn id="8" fill="hold">
+                            <p:stCondLst>
+                              <p:cond delay="0"/>
+                            </p:stCondLst>
+                            <p:childTnLst>
+                              <p:par>
+                                <p:cTn id="9" presetID="1" presetClass="entr" presetSubtype="0" fill="hold" nodeType="clickEffect">
+                                  <p:stCondLst>
+                                    <p:cond delay="0"/>
+                                  </p:stCondLst>
+                                  <p:childTnLst>
+                                    <p:set>
+                                      <p:cBhvr>
+                                        <p:cTn id="10" dur="1" fill="hold">
+                                          <p:stCondLst>
+                                            <p:cond delay="0"/>
+                                          </p:stCondLst>
+                                        </p:cTn>
+                                        <p:tgtEl>
+                                          <p:spTgt spid="4">
+                                            <p:txEl>
+                                              <p:pRg st="1" end="1"/>
+                                            </p:txEl>
+                                          </p:spTgt>
+                                        </p:tgtEl>
+                                        <p:attrNameLst>
+                                          <p:attrName>style.visibility</p:attrName>
+                                        </p:attrNameLst>
+                                      </p:cBhvr>
+                                      <p:to>
+                                        <p:strVal val="visible"/>
+                                      </p:to>
+                                    </p:set>
+                                  </p:childTnLst>
+                                </p:cTn>
+                              </p:par>
+                            </p:childTnLst>
+                          </p:cTn>
+                        </p:par>
+                      </p:childTnLst>
+                    </p:cTn>
+                  </p:par>
+                  <p:par>
+                    <p:cTn id="11" fill="hold">
+                      <p:stCondLst>
+                        <p:cond delay="indefinite"/>
+                      </p:stCondLst>
+                      <p:childTnLst>
+                        <p:par>
+                          <p:cTn id="12" fill="hold">
+                            <p:stCondLst>
+                              <p:cond delay="0"/>
+                            </p:stCondLst>
+                            <p:childTnLst>
+                              <p:par>
+                                <p:cTn id="13" presetID="1" presetClass="entr" presetSubtype="0" fill="hold" nodeType="clickEffect">
+                                  <p:stCondLst>
+                                    <p:cond delay="0"/>
+                                  </p:stCondLst>
+                                  <p:childTnLst>
+                                    <p:set>
+                                      <p:cBhvr>
+                                        <p:cTn id="14" dur="1" fill="hold">
+                                          <p:stCondLst>
+                                            <p:cond delay="0"/>
+                                          </p:stCondLst>
+                                        </p:cTn>
+                                        <p:tgtEl>
+                                          <p:spTgt spid="4">
+                                            <p:txEl>
+                                              <p:pRg st="2" end="2"/>
+                                            </p:txEl>
+                                          </p:spTgt>
+                                        </p:tgtEl>
+                                        <p:attrNameLst>
+                                          <p:attrName>style.visibility</p:attrName>
+                                        </p:attrNameLst>
+                                      </p:cBhvr>
+                                      <p:to>
+                                        <p:strVal val="visible"/>
+                                      </p:to>
+                                    </p:set>
+                                  </p:childTnLst>
+                                </p:cTn>
+                              </p:par>
+                            </p:childTnLst>
+                          </p:cTn>
+                        </p:par>
+                      </p:childTnLst>
+                    </p:cTn>
+                  </p:par>
+                  <p:par>
+                    <p:cTn id="15" fill="hold">
+                      <p:stCondLst>
+                        <p:cond delay="indefinite"/>
+                      </p:stCondLst>
+                      <p:childTnLst>
+                        <p:par>
+                          <p:cTn id="16" fill="hold">
+                            <p:stCondLst>
+                              <p:cond delay="0"/>
+                            </p:stCondLst>
+                            <p:childTnLst>
+                              <p:par>
+                                <p:cTn id="17" presetID="1" presetClass="entr" presetSubtype="0" fill="hold" nodeType="clickEffect">
+                                  <p:stCondLst>
+                                    <p:cond delay="0"/>
+                                  </p:stCondLst>
+                                  <p:childTnLst>
+                                    <p:set>
+                                      <p:cBhvr>
+                                        <p:cTn id="18" dur="1" fill="hold">
+                                          <p:stCondLst>
+                                            <p:cond delay="0"/>
+                                          </p:stCondLst>
+                                        </p:cTn>
+                                        <p:tgtEl>
+                                          <p:spTgt spid="4">
+                                            <p:txEl>
+                                              <p:pRg st="4" end="4"/>
+                                            </p:txEl>
+                                          </p:spTgt>
+                                        </p:tgtEl>
+                                        <p:attrNameLst>
+                                          <p:attrName>style.visibility</p:attrName>
+                                        </p:attrNameLst>
+                                      </p:cBhvr>
+                                      <p:to>
+                                        <p:strVal val="visible"/>
+                                      </p:to>
+                                    </p:set>
+                                  </p:childTnLst>
+                                </p:cTn>
+                              </p:par>
+                            </p:childTnLst>
+                          </p:cTn>
+                        </p:par>
+                      </p:childTnLst>
+                    </p:cTn>
+                  </p:par>
+                </p:childTnLst>
+              </p:cTn>
+              <p:prevCondLst>
+                <p:cond evt="onPrev" delay="0">
+                  <p:tgtEl>
+                    <p:sldTgt/>
+                  </p:tgtEl>
+                </p:cond>
+              </p:prevCondLst>
+              <p:nextCondLst>
+                <p:cond evt="onNext" delay="0">
+                  <p:tgtEl>
+                    <p:sldTgt/>
+                  </p:tgtEl>
+                </p:cond>
+              </p:nextCondLst>
+            </p:seq>
+          </p:childTnLst>
+        </p:cTn>
+      </p:par>
+    </p:tnLst>
+  </p:timing>
+</p:sld>
+</file>
+
+<file path=ppt/slides/slide21.xml><?xml version="1.0" encoding="utf-8"?>
+<p:sld xmlns:a="http://schemas.openxmlformats.org/drawingml/2006/main" xmlns:r="http://schemas.openxmlformats.org/officeDocument/2006/relationships" xmlns:p="http://schemas.openxmlformats.org/presentationml/2006/main">
+  <p:cSld>
+    <p:spTree>
+      <p:nvGrpSpPr>
+        <p:cNvPr id="1" name=""/>
+        <p:cNvGrpSpPr/>
+        <p:nvPr/>
+      </p:nvGrpSpPr>
+      <p:grpSpPr>
+        <a:xfrm>
+          <a:off x="0" y="0"/>
+          <a:ext cx="0" cy="0"/>
+          <a:chOff x="0" y="0"/>
+          <a:chExt cx="0" cy="0"/>
+        </a:xfrm>
+      </p:grpSpPr>
+      <p:sp>
+        <p:nvSpPr>
+          <p:cNvPr id="3" name="Title 2"/>
+          <p:cNvSpPr>
+            <a:spLocks noGrp="1"/>
+          </p:cNvSpPr>
+          <p:nvPr>
+            <p:ph type="title"/>
+          </p:nvPr>
+        </p:nvSpPr>
+        <p:spPr/>
+        <p:txBody>
+          <a:bodyPr/>
+          <a:lstStyle/>
+          <a:p>
+            <a:r>
+              <a:rPr lang="nl-NL" dirty="0" smtClean="0"/>
+              <a:t>BFS</a:t>
+            </a:r>
+            <a:r>
+              <a:rPr lang="nl-NL" dirty="0" smtClean="0"/>
+              <a:t> </a:t>
+            </a:r>
+            <a:r>
+              <a:rPr lang="nl-NL" dirty="0" smtClean="0"/>
+              <a:t>algoritme</a:t>
+            </a:r>
+            <a:endParaRPr lang="nl-NL" dirty="0"/>
+          </a:p>
+        </p:txBody>
+      </p:sp>
+      <p:sp>
+        <p:nvSpPr>
+          <p:cNvPr id="4" name="TextBox 3"/>
+          <p:cNvSpPr txBox="1"/>
+          <p:nvPr/>
+        </p:nvSpPr>
+        <p:spPr>
+          <a:xfrm>
+            <a:off x="827584" y="3429000"/>
+            <a:ext cx="7704856" cy="1446550"/>
+          </a:xfrm>
+          <a:prstGeom prst="rect">
+            <a:avLst/>
+          </a:prstGeom>
+          <a:noFill/>
+        </p:spPr>
+        <p:txBody>
+          <a:bodyPr wrap="square" rtlCol="0">
+            <a:spAutoFit/>
+          </a:bodyPr>
+          <a:lstStyle/>
+          <a:p>
+            <a:pPr algn="ctr"/>
+            <a:r>
+              <a:rPr lang="nl-NL" sz="8800" dirty="0" smtClean="0"/>
+              <a:t>&gt;&gt; DEMO &lt;&lt;</a:t>
+            </a:r>
+            <a:endParaRPr lang="nl-NL" sz="8800" dirty="0"/>
+          </a:p>
+        </p:txBody>
+      </p:sp>
+    </p:spTree>
+    <p:extLst>
+      <p:ext uri="{BB962C8B-B14F-4D97-AF65-F5344CB8AC3E}">
+        <p14:creationId xmlns:p14="http://schemas.microsoft.com/office/powerpoint/2010/main" val="2751541710"/>
+      </p:ext>
+    </p:extLst>
+  </p:cSld>
+  <p:clrMapOvr>
+    <a:masterClrMapping/>
+  </p:clrMapOvr>
+  <p:timing>
+    <p:tnLst>
+      <p:par>
+        <p:cTn id="1" dur="indefinite" restart="never" nodeType="tmRoot"/>
+      </p:par>
+    </p:tnLst>
+  </p:timing>
+</p:sld>
+</file>
+
+<file path=ppt/slides/slide22.xml><?xml version="1.0" encoding="utf-8"?>
+<p:sld xmlns:a="http://schemas.openxmlformats.org/drawingml/2006/main" xmlns:r="http://schemas.openxmlformats.org/officeDocument/2006/relationships" xmlns:p="http://schemas.openxmlformats.org/presentationml/2006/main">
+  <p:cSld>
+    <p:spTree>
+      <p:nvGrpSpPr>
+        <p:cNvPr id="1" name=""/>
+        <p:cNvGrpSpPr/>
+        <p:nvPr/>
+      </p:nvGrpSpPr>
+      <p:grpSpPr>
+        <a:xfrm>
+          <a:off x="0" y="0"/>
+          <a:ext cx="0" cy="0"/>
+          <a:chOff x="0" y="0"/>
+          <a:chExt cx="0" cy="0"/>
+        </a:xfrm>
+      </p:grpSpPr>
+      <p:sp>
+        <p:nvSpPr>
+          <p:cNvPr id="3" name="Title 2"/>
+          <p:cNvSpPr>
+            <a:spLocks noGrp="1"/>
+          </p:cNvSpPr>
+          <p:nvPr>
+            <p:ph type="title"/>
+          </p:nvPr>
+        </p:nvSpPr>
+        <p:spPr/>
+        <p:txBody>
+          <a:bodyPr/>
+          <a:lstStyle/>
+          <a:p>
+            <a:r>
+              <a:rPr lang="nl-NL" dirty="0" smtClean="0"/>
+              <a:t>Disclaimer</a:t>
+            </a:r>
+            <a:endParaRPr lang="nl-NL" dirty="0"/>
+          </a:p>
+        </p:txBody>
+      </p:sp>
+      <p:sp>
+        <p:nvSpPr>
+          <p:cNvPr id="4" name="TextBox 3"/>
+          <p:cNvSpPr txBox="1"/>
+          <p:nvPr/>
+        </p:nvSpPr>
+        <p:spPr>
+          <a:xfrm>
+            <a:off x="862453" y="3501008"/>
+            <a:ext cx="7704856" cy="769441"/>
+          </a:xfrm>
+          <a:prstGeom prst="rect">
+            <a:avLst/>
+          </a:prstGeom>
+          <a:noFill/>
+        </p:spPr>
+        <p:txBody>
+          <a:bodyPr wrap="square" rtlCol="0">
+            <a:spAutoFit/>
+          </a:bodyPr>
+          <a:lstStyle/>
+          <a:p>
+            <a:r>
+              <a:rPr lang="nl-NL" sz="4400" dirty="0" smtClean="0"/>
+              <a:t>Alleen het eerste spel is getest.</a:t>
+            </a:r>
+            <a:endParaRPr lang="nl-NL" sz="4400" dirty="0"/>
+          </a:p>
+        </p:txBody>
+      </p:sp>
+    </p:spTree>
+    <p:extLst>
+      <p:ext uri="{BB962C8B-B14F-4D97-AF65-F5344CB8AC3E}">
+        <p14:creationId xmlns:p14="http://schemas.microsoft.com/office/powerpoint/2010/main" val="1457393106"/>
+      </p:ext>
+    </p:extLst>
+  </p:cSld>
+  <p:clrMapOvr>
+    <a:masterClrMapping/>
+  </p:clrMapOvr>
+  <p:timing>
+    <p:tnLst>
+      <p:par>
+        <p:cTn id="1" dur="indefinite" restart="never" nodeType="tmRoot"/>
+      </p:par>
+    </p:tnLst>
+  </p:timing>
+</p:sld>
+</file>
+
+<file path=ppt/slides/slide23.xml><?xml version="1.0" encoding="utf-8"?>
+<p:sld xmlns:a="http://schemas.openxmlformats.org/drawingml/2006/main" xmlns:r="http://schemas.openxmlformats.org/officeDocument/2006/relationships" xmlns:p="http://schemas.openxmlformats.org/presentationml/2006/main">
+  <p:cSld>
+    <p:spTree>
+      <p:nvGrpSpPr>
+        <p:cNvPr id="1" name=""/>
+        <p:cNvGrpSpPr/>
+        <p:nvPr/>
+      </p:nvGrpSpPr>
+      <p:grpSpPr>
+        <a:xfrm>
+          <a:off x="0" y="0"/>
+          <a:ext cx="0" cy="0"/>
+          <a:chOff x="0" y="0"/>
+          <a:chExt cx="0" cy="0"/>
+        </a:xfrm>
+      </p:grpSpPr>
+      <p:sp>
+        <p:nvSpPr>
+          <p:cNvPr id="3" name="Title 2"/>
+          <p:cNvSpPr>
+            <a:spLocks noGrp="1"/>
+          </p:cNvSpPr>
+          <p:nvPr>
+            <p:ph type="title"/>
+          </p:nvPr>
+        </p:nvSpPr>
+        <p:spPr/>
+        <p:txBody>
+          <a:bodyPr/>
+          <a:lstStyle/>
+          <a:p>
+            <a:r>
+              <a:rPr lang="nl-NL" dirty="0" smtClean="0"/>
+              <a:t>TO DO</a:t>
+            </a:r>
+            <a:endParaRPr lang="nl-NL" dirty="0"/>
+          </a:p>
+        </p:txBody>
+      </p:sp>
+      <p:sp>
+        <p:nvSpPr>
+          <p:cNvPr id="4" name="TextBox 3"/>
+          <p:cNvSpPr txBox="1"/>
+          <p:nvPr/>
+        </p:nvSpPr>
+        <p:spPr>
+          <a:xfrm>
+            <a:off x="827584" y="3212976"/>
+            <a:ext cx="7704856" cy="1877437"/>
+          </a:xfrm>
+          <a:prstGeom prst="rect">
+            <a:avLst/>
+          </a:prstGeom>
+          <a:noFill/>
+        </p:spPr>
+        <p:txBody>
+          <a:bodyPr wrap="square" rtlCol="0">
+            <a:spAutoFit/>
+          </a:bodyPr>
+          <a:lstStyle/>
+          <a:p>
+            <a:pPr marL="514350" indent="-514350">
+              <a:buFont typeface="+mj-lt"/>
+              <a:buAutoNum type="arabicPeriod"/>
+            </a:pPr>
+            <a:r>
+              <a:rPr lang="nl-NL" sz="4400" dirty="0" smtClean="0"/>
+              <a:t>A*?</a:t>
+            </a:r>
+          </a:p>
+          <a:p>
+            <a:pPr marL="514350" indent="-514350">
+              <a:buFont typeface="+mj-lt"/>
+              <a:buAutoNum type="arabicPeriod"/>
+            </a:pPr>
+            <a:r>
+              <a:rPr lang="nl-NL" sz="4400" dirty="0" smtClean="0"/>
+              <a:t>Optimaliseren van de kern </a:t>
+            </a:r>
+          </a:p>
+          <a:p>
+            <a:pPr marL="285750" indent="-285750">
+              <a:buFont typeface="Arial" pitchFamily="34" charset="0"/>
+              <a:buChar char="•"/>
+            </a:pPr>
+            <a:endParaRPr lang="nl-NL" sz="2800" dirty="0"/>
+          </a:p>
+        </p:txBody>
+      </p:sp>
+    </p:spTree>
+    <p:extLst>
+      <p:ext uri="{BB962C8B-B14F-4D97-AF65-F5344CB8AC3E}">
+        <p14:creationId xmlns:p14="http://schemas.microsoft.com/office/powerpoint/2010/main" val="1193746000"/>
+      </p:ext>
+    </p:extLst>
+  </p:cSld>
+  <p:clrMapOvr>
+    <a:masterClrMapping/>
+  </p:clrMapOvr>
+  <p:timing>
+    <p:tnLst>
+      <p:par>
+        <p:cTn id="1" dur="indefinite" restart="never" nodeType="tmRoot"/>
+      </p:par>
+    </p:tnLst>
+  </p:timing>
+</p:sld>
+</file>
+
+<file path=ppt/slides/slide24.xml><?xml version="1.0" encoding="utf-8"?>
+<p:sld xmlns:a="http://schemas.openxmlformats.org/drawingml/2006/main" xmlns:r="http://schemas.openxmlformats.org/officeDocument/2006/relationships" xmlns:p="http://schemas.openxmlformats.org/presentationml/2006/main">
+  <p:cSld>
+    <p:spTree>
+      <p:nvGrpSpPr>
+        <p:cNvPr id="1" name=""/>
+        <p:cNvGrpSpPr/>
+        <p:nvPr/>
+      </p:nvGrpSpPr>
+      <p:grpSpPr>
+        <a:xfrm>
+          <a:off x="0" y="0"/>
+          <a:ext cx="0" cy="0"/>
+          <a:chOff x="0" y="0"/>
+          <a:chExt cx="0" cy="0"/>
+        </a:xfrm>
+      </p:grpSpPr>
+      <p:sp>
+        <p:nvSpPr>
+          <p:cNvPr id="2" name="Title 1"/>
+          <p:cNvSpPr>
+            <a:spLocks noGrp="1"/>
+          </p:cNvSpPr>
+          <p:nvPr>
+            <p:ph type="ctrTitle"/>
+          </p:nvPr>
+        </p:nvSpPr>
+        <p:spPr/>
+        <p:txBody>
+          <a:bodyPr/>
+          <a:lstStyle/>
+          <a:p>
+            <a:r>
+              <a:rPr lang="nl-NL" dirty="0" smtClean="0"/>
+              <a:t>VRAGEN?</a:t>
+            </a:r>
+            <a:endParaRPr lang="nl-NL" dirty="0"/>
+          </a:p>
+        </p:txBody>
+      </p:sp>
+      <p:sp>
+        <p:nvSpPr>
+          <p:cNvPr id="3" name="Subtitle 2"/>
+          <p:cNvSpPr>
+            <a:spLocks noGrp="1"/>
+          </p:cNvSpPr>
+          <p:nvPr>
+            <p:ph type="subTitle" idx="1"/>
+          </p:nvPr>
+        </p:nvSpPr>
+        <p:spPr/>
+        <p:txBody>
+          <a:bodyPr/>
+          <a:lstStyle/>
+          <a:p>
+            <a:r>
+              <a:rPr lang="nl-NL" dirty="0" smtClean="0"/>
+              <a:t>Natasja   |   Rukshar   |   Yasmina</a:t>
+            </a:r>
+            <a:endParaRPr lang="nl-NL" dirty="0"/>
+          </a:p>
+        </p:txBody>
+      </p:sp>
+    </p:spTree>
+    <p:extLst>
+      <p:ext uri="{BB962C8B-B14F-4D97-AF65-F5344CB8AC3E}">
+        <p14:creationId xmlns:p14="http://schemas.microsoft.com/office/powerpoint/2010/main" val="787266113"/>
+      </p:ext>
+    </p:extLst>
+  </p:cSld>
+  <p:clrMapOvr>
+    <a:masterClrMapping/>
+  </p:clrMapOvr>
+  <p:timing>
+    <p:tnLst>
+      <p:par>
+        <p:cTn id="1" dur="indefinite" restart="never" nodeType="tmRoot"/>
+      </p:par>
+    </p:tnLst>
+  </p:timing>
 </p:sld>
 </file>
 
@@ -14954,10 +17198,1290 @@
   <p:clrMapOvr>
     <a:masterClrMapping/>
   </p:clrMapOvr>
+  <p:timing>
+    <p:tnLst>
+      <p:par>
+        <p:cTn id="1" dur="indefinite" restart="never" nodeType="tmRoot"/>
+      </p:par>
+    </p:tnLst>
+  </p:timing>
 </p:sld>
 </file>
 
 <file path=ppt/slides/slide4.xml><?xml version="1.0" encoding="utf-8"?>
+<p:sld xmlns:a="http://schemas.openxmlformats.org/drawingml/2006/main" xmlns:r="http://schemas.openxmlformats.org/officeDocument/2006/relationships" xmlns:p="http://schemas.openxmlformats.org/presentationml/2006/main">
+  <p:cSld>
+    <p:spTree>
+      <p:nvGrpSpPr>
+        <p:cNvPr id="1" name=""/>
+        <p:cNvGrpSpPr/>
+        <p:nvPr/>
+      </p:nvGrpSpPr>
+      <p:grpSpPr>
+        <a:xfrm>
+          <a:off x="0" y="0"/>
+          <a:ext cx="0" cy="0"/>
+          <a:chOff x="0" y="0"/>
+          <a:chExt cx="0" cy="0"/>
+        </a:xfrm>
+      </p:grpSpPr>
+      <p:sp>
+        <p:nvSpPr>
+          <p:cNvPr id="3" name="Title 2"/>
+          <p:cNvSpPr>
+            <a:spLocks noGrp="1"/>
+          </p:cNvSpPr>
+          <p:nvPr>
+            <p:ph type="title"/>
+          </p:nvPr>
+        </p:nvSpPr>
+        <p:spPr/>
+        <p:txBody>
+          <a:bodyPr>
+            <a:normAutofit/>
+          </a:bodyPr>
+          <a:lstStyle/>
+          <a:p>
+            <a:r>
+              <a:rPr lang="nl-NL" dirty="0" smtClean="0"/>
+              <a:t>RUSH HOUR KERN</a:t>
+            </a:r>
+            <a:endParaRPr lang="nl-NL" dirty="0"/>
+          </a:p>
+        </p:txBody>
+      </p:sp>
+      <p:sp>
+        <p:nvSpPr>
+          <p:cNvPr id="4" name="TextBox 3"/>
+          <p:cNvSpPr txBox="1"/>
+          <p:nvPr/>
+        </p:nvSpPr>
+        <p:spPr>
+          <a:xfrm>
+            <a:off x="796439" y="1772816"/>
+            <a:ext cx="7704856" cy="5878532"/>
+          </a:xfrm>
+          <a:prstGeom prst="rect">
+            <a:avLst/>
+          </a:prstGeom>
+          <a:noFill/>
+        </p:spPr>
+        <p:txBody>
+          <a:bodyPr wrap="square" rtlCol="0">
+            <a:spAutoFit/>
+          </a:bodyPr>
+          <a:lstStyle/>
+          <a:p>
+            <a:pPr marL="285750" indent="-285750">
+              <a:buFont typeface="Arial" pitchFamily="34" charset="0"/>
+              <a:buChar char="•"/>
+            </a:pPr>
+            <a:r>
+              <a:rPr lang="nl-NL" sz="4000" dirty="0" smtClean="0"/>
+              <a:t>Board class</a:t>
+            </a:r>
+          </a:p>
+          <a:p>
+            <a:pPr marL="742950" lvl="1" indent="-285750">
+              <a:buFont typeface="Arial" pitchFamily="34" charset="0"/>
+              <a:buChar char="•"/>
+            </a:pPr>
+            <a:r>
+              <a:rPr lang="nl-NL" sz="2400" dirty="0" smtClean="0"/>
+              <a:t>Posities opvragen/genereren</a:t>
+            </a:r>
+          </a:p>
+          <a:p>
+            <a:pPr marL="742950" lvl="1" indent="-285750">
+              <a:buFont typeface="Arial" pitchFamily="34" charset="0"/>
+              <a:buChar char="•"/>
+            </a:pPr>
+            <a:r>
+              <a:rPr lang="nl-NL" sz="2400" dirty="0" smtClean="0"/>
+              <a:t>Empty positities</a:t>
+            </a:r>
+          </a:p>
+          <a:p>
+            <a:pPr marL="742950" lvl="1" indent="-285750">
+              <a:buFont typeface="Arial" pitchFamily="34" charset="0"/>
+              <a:buChar char="•"/>
+            </a:pPr>
+            <a:r>
+              <a:rPr lang="nl-NL" sz="2400" dirty="0" smtClean="0"/>
+              <a:t>Dictionary van auto met ingenomen positie</a:t>
+            </a:r>
+          </a:p>
+          <a:p>
+            <a:pPr marL="742950" lvl="1" indent="-285750">
+              <a:buFont typeface="Arial" pitchFamily="34" charset="0"/>
+              <a:buChar char="•"/>
+            </a:pPr>
+            <a:r>
+              <a:rPr lang="nl-NL" sz="2400" dirty="0" smtClean="0"/>
+              <a:t>Check moveability van auto</a:t>
+            </a:r>
+          </a:p>
+          <a:p>
+            <a:pPr marL="742950" lvl="1" indent="-285750">
+              <a:buFont typeface="Arial" pitchFamily="34" charset="0"/>
+              <a:buChar char="•"/>
+            </a:pPr>
+            <a:r>
+              <a:rPr lang="nl-NL" sz="2400" dirty="0" smtClean="0"/>
+              <a:t>Verplaats auto</a:t>
+            </a:r>
+            <a:endParaRPr lang="nl-NL" sz="4000" dirty="0" smtClean="0"/>
+          </a:p>
+          <a:p>
+            <a:pPr marL="285750" indent="-285750">
+              <a:buFont typeface="Arial" pitchFamily="34" charset="0"/>
+              <a:buChar char="•"/>
+            </a:pPr>
+            <a:r>
+              <a:rPr lang="nl-NL" sz="4000" dirty="0" smtClean="0"/>
+              <a:t>Auto class</a:t>
+            </a:r>
+          </a:p>
+          <a:p>
+            <a:pPr marL="742950" lvl="2" indent="-285750">
+              <a:buFont typeface="Arial" pitchFamily="34" charset="0"/>
+              <a:buChar char="•"/>
+            </a:pPr>
+            <a:r>
+              <a:rPr lang="nl-NL" sz="2400" dirty="0" smtClean="0"/>
+              <a:t>ID</a:t>
+            </a:r>
+          </a:p>
+          <a:p>
+            <a:pPr marL="742950" lvl="2" indent="-285750">
+              <a:buFont typeface="Arial" pitchFamily="34" charset="0"/>
+              <a:buChar char="•"/>
+            </a:pPr>
+            <a:r>
+              <a:rPr lang="nl-NL" sz="2400" dirty="0" smtClean="0"/>
+              <a:t>Lengte</a:t>
+            </a:r>
+          </a:p>
+          <a:p>
+            <a:pPr marL="742950" lvl="2" indent="-285750">
+              <a:buFont typeface="Arial" pitchFamily="34" charset="0"/>
+              <a:buChar char="•"/>
+            </a:pPr>
+            <a:r>
+              <a:rPr lang="nl-NL" sz="2400" dirty="0" smtClean="0"/>
+              <a:t>Richting</a:t>
+            </a:r>
+          </a:p>
+          <a:p>
+            <a:pPr marL="742950" lvl="2" indent="-285750">
+              <a:buFont typeface="Arial" pitchFamily="34" charset="0"/>
+              <a:buChar char="•"/>
+            </a:pPr>
+            <a:r>
+              <a:rPr lang="nl-NL" sz="2400" dirty="0" smtClean="0"/>
+              <a:t>Kleur</a:t>
+            </a:r>
+          </a:p>
+          <a:p>
+            <a:pPr marL="742950" lvl="2" indent="-285750">
+              <a:buFont typeface="Arial" pitchFamily="34" charset="0"/>
+              <a:buChar char="•"/>
+            </a:pPr>
+            <a:endParaRPr lang="nl-NL" sz="4000" dirty="0" smtClean="0"/>
+          </a:p>
+          <a:p>
+            <a:pPr marL="285750" indent="-285750">
+              <a:buFont typeface="Arial" pitchFamily="34" charset="0"/>
+              <a:buChar char="•"/>
+            </a:pPr>
+            <a:endParaRPr lang="nl-NL" sz="4000" dirty="0"/>
+          </a:p>
+        </p:txBody>
+      </p:sp>
+    </p:spTree>
+    <p:extLst>
+      <p:ext uri="{BB962C8B-B14F-4D97-AF65-F5344CB8AC3E}">
+        <p14:creationId xmlns:p14="http://schemas.microsoft.com/office/powerpoint/2010/main" val="2593113059"/>
+      </p:ext>
+    </p:extLst>
+  </p:cSld>
+  <p:clrMapOvr>
+    <a:masterClrMapping/>
+  </p:clrMapOvr>
+  <p:timing>
+    <p:tnLst>
+      <p:par>
+        <p:cTn id="1" dur="indefinite" restart="never" nodeType="tmRoot">
+          <p:childTnLst>
+            <p:seq concurrent="1" nextAc="seek">
+              <p:cTn id="2" dur="indefinite" nodeType="mainSeq">
+                <p:childTnLst>
+                  <p:par>
+                    <p:cTn id="3" fill="hold">
+                      <p:stCondLst>
+                        <p:cond delay="indefinite"/>
+                      </p:stCondLst>
+                      <p:childTnLst>
+                        <p:par>
+                          <p:cTn id="4" fill="hold">
+                            <p:stCondLst>
+                              <p:cond delay="0"/>
+                            </p:stCondLst>
+                            <p:childTnLst>
+                              <p:par>
+                                <p:cTn id="5" presetID="1" presetClass="entr" presetSubtype="0" fill="hold" nodeType="clickEffect">
+                                  <p:stCondLst>
+                                    <p:cond delay="0"/>
+                                  </p:stCondLst>
+                                  <p:childTnLst>
+                                    <p:set>
+                                      <p:cBhvr>
+                                        <p:cTn id="6" dur="1" fill="hold">
+                                          <p:stCondLst>
+                                            <p:cond delay="0"/>
+                                          </p:stCondLst>
+                                        </p:cTn>
+                                        <p:tgtEl>
+                                          <p:spTgt spid="4">
+                                            <p:txEl>
+                                              <p:pRg st="6" end="6"/>
+                                            </p:txEl>
+                                          </p:spTgt>
+                                        </p:tgtEl>
+                                        <p:attrNameLst>
+                                          <p:attrName>style.visibility</p:attrName>
+                                        </p:attrNameLst>
+                                      </p:cBhvr>
+                                      <p:to>
+                                        <p:strVal val="visible"/>
+                                      </p:to>
+                                    </p:set>
+                                  </p:childTnLst>
+                                </p:cTn>
+                              </p:par>
+                            </p:childTnLst>
+                          </p:cTn>
+                        </p:par>
+                      </p:childTnLst>
+                    </p:cTn>
+                  </p:par>
+                  <p:par>
+                    <p:cTn id="7" fill="hold">
+                      <p:stCondLst>
+                        <p:cond delay="indefinite"/>
+                      </p:stCondLst>
+                      <p:childTnLst>
+                        <p:par>
+                          <p:cTn id="8" fill="hold">
+                            <p:stCondLst>
+                              <p:cond delay="0"/>
+                            </p:stCondLst>
+                            <p:childTnLst>
+                              <p:par>
+                                <p:cTn id="9" presetID="1" presetClass="entr" presetSubtype="0" fill="hold" nodeType="clickEffect">
+                                  <p:stCondLst>
+                                    <p:cond delay="0"/>
+                                  </p:stCondLst>
+                                  <p:childTnLst>
+                                    <p:set>
+                                      <p:cBhvr>
+                                        <p:cTn id="10" dur="1" fill="hold">
+                                          <p:stCondLst>
+                                            <p:cond delay="0"/>
+                                          </p:stCondLst>
+                                        </p:cTn>
+                                        <p:tgtEl>
+                                          <p:spTgt spid="4">
+                                            <p:txEl>
+                                              <p:pRg st="1" end="1"/>
+                                            </p:txEl>
+                                          </p:spTgt>
+                                        </p:tgtEl>
+                                        <p:attrNameLst>
+                                          <p:attrName>style.visibility</p:attrName>
+                                        </p:attrNameLst>
+                                      </p:cBhvr>
+                                      <p:to>
+                                        <p:strVal val="visible"/>
+                                      </p:to>
+                                    </p:set>
+                                  </p:childTnLst>
+                                </p:cTn>
+                              </p:par>
+                            </p:childTnLst>
+                          </p:cTn>
+                        </p:par>
+                      </p:childTnLst>
+                    </p:cTn>
+                  </p:par>
+                  <p:par>
+                    <p:cTn id="11" fill="hold">
+                      <p:stCondLst>
+                        <p:cond delay="indefinite"/>
+                      </p:stCondLst>
+                      <p:childTnLst>
+                        <p:par>
+                          <p:cTn id="12" fill="hold">
+                            <p:stCondLst>
+                              <p:cond delay="0"/>
+                            </p:stCondLst>
+                            <p:childTnLst>
+                              <p:par>
+                                <p:cTn id="13" presetID="1" presetClass="entr" presetSubtype="0" fill="hold" nodeType="clickEffect">
+                                  <p:stCondLst>
+                                    <p:cond delay="0"/>
+                                  </p:stCondLst>
+                                  <p:childTnLst>
+                                    <p:set>
+                                      <p:cBhvr>
+                                        <p:cTn id="14" dur="1" fill="hold">
+                                          <p:stCondLst>
+                                            <p:cond delay="0"/>
+                                          </p:stCondLst>
+                                        </p:cTn>
+                                        <p:tgtEl>
+                                          <p:spTgt spid="4">
+                                            <p:txEl>
+                                              <p:pRg st="2" end="2"/>
+                                            </p:txEl>
+                                          </p:spTgt>
+                                        </p:tgtEl>
+                                        <p:attrNameLst>
+                                          <p:attrName>style.visibility</p:attrName>
+                                        </p:attrNameLst>
+                                      </p:cBhvr>
+                                      <p:to>
+                                        <p:strVal val="visible"/>
+                                      </p:to>
+                                    </p:set>
+                                  </p:childTnLst>
+                                </p:cTn>
+                              </p:par>
+                            </p:childTnLst>
+                          </p:cTn>
+                        </p:par>
+                      </p:childTnLst>
+                    </p:cTn>
+                  </p:par>
+                  <p:par>
+                    <p:cTn id="15" fill="hold">
+                      <p:stCondLst>
+                        <p:cond delay="indefinite"/>
+                      </p:stCondLst>
+                      <p:childTnLst>
+                        <p:par>
+                          <p:cTn id="16" fill="hold">
+                            <p:stCondLst>
+                              <p:cond delay="0"/>
+                            </p:stCondLst>
+                            <p:childTnLst>
+                              <p:par>
+                                <p:cTn id="17" presetID="1" presetClass="entr" presetSubtype="0" fill="hold" nodeType="clickEffect">
+                                  <p:stCondLst>
+                                    <p:cond delay="0"/>
+                                  </p:stCondLst>
+                                  <p:childTnLst>
+                                    <p:set>
+                                      <p:cBhvr>
+                                        <p:cTn id="18" dur="1" fill="hold">
+                                          <p:stCondLst>
+                                            <p:cond delay="0"/>
+                                          </p:stCondLst>
+                                        </p:cTn>
+                                        <p:tgtEl>
+                                          <p:spTgt spid="4">
+                                            <p:txEl>
+                                              <p:pRg st="3" end="3"/>
+                                            </p:txEl>
+                                          </p:spTgt>
+                                        </p:tgtEl>
+                                        <p:attrNameLst>
+                                          <p:attrName>style.visibility</p:attrName>
+                                        </p:attrNameLst>
+                                      </p:cBhvr>
+                                      <p:to>
+                                        <p:strVal val="visible"/>
+                                      </p:to>
+                                    </p:set>
+                                  </p:childTnLst>
+                                </p:cTn>
+                              </p:par>
+                            </p:childTnLst>
+                          </p:cTn>
+                        </p:par>
+                      </p:childTnLst>
+                    </p:cTn>
+                  </p:par>
+                  <p:par>
+                    <p:cTn id="19" fill="hold">
+                      <p:stCondLst>
+                        <p:cond delay="indefinite"/>
+                      </p:stCondLst>
+                      <p:childTnLst>
+                        <p:par>
+                          <p:cTn id="20" fill="hold">
+                            <p:stCondLst>
+                              <p:cond delay="0"/>
+                            </p:stCondLst>
+                            <p:childTnLst>
+                              <p:par>
+                                <p:cTn id="21" presetID="1" presetClass="entr" presetSubtype="0" fill="hold" nodeType="clickEffect">
+                                  <p:stCondLst>
+                                    <p:cond delay="0"/>
+                                  </p:stCondLst>
+                                  <p:childTnLst>
+                                    <p:set>
+                                      <p:cBhvr>
+                                        <p:cTn id="22" dur="1" fill="hold">
+                                          <p:stCondLst>
+                                            <p:cond delay="0"/>
+                                          </p:stCondLst>
+                                        </p:cTn>
+                                        <p:tgtEl>
+                                          <p:spTgt spid="4">
+                                            <p:txEl>
+                                              <p:pRg st="4" end="4"/>
+                                            </p:txEl>
+                                          </p:spTgt>
+                                        </p:tgtEl>
+                                        <p:attrNameLst>
+                                          <p:attrName>style.visibility</p:attrName>
+                                        </p:attrNameLst>
+                                      </p:cBhvr>
+                                      <p:to>
+                                        <p:strVal val="visible"/>
+                                      </p:to>
+                                    </p:set>
+                                  </p:childTnLst>
+                                </p:cTn>
+                              </p:par>
+                            </p:childTnLst>
+                          </p:cTn>
+                        </p:par>
+                      </p:childTnLst>
+                    </p:cTn>
+                  </p:par>
+                  <p:par>
+                    <p:cTn id="23" fill="hold">
+                      <p:stCondLst>
+                        <p:cond delay="indefinite"/>
+                      </p:stCondLst>
+                      <p:childTnLst>
+                        <p:par>
+                          <p:cTn id="24" fill="hold">
+                            <p:stCondLst>
+                              <p:cond delay="0"/>
+                            </p:stCondLst>
+                            <p:childTnLst>
+                              <p:par>
+                                <p:cTn id="25" presetID="1" presetClass="entr" presetSubtype="0" fill="hold" nodeType="clickEffect">
+                                  <p:stCondLst>
+                                    <p:cond delay="0"/>
+                                  </p:stCondLst>
+                                  <p:childTnLst>
+                                    <p:set>
+                                      <p:cBhvr>
+                                        <p:cTn id="26" dur="1" fill="hold">
+                                          <p:stCondLst>
+                                            <p:cond delay="0"/>
+                                          </p:stCondLst>
+                                        </p:cTn>
+                                        <p:tgtEl>
+                                          <p:spTgt spid="4">
+                                            <p:txEl>
+                                              <p:pRg st="5" end="5"/>
+                                            </p:txEl>
+                                          </p:spTgt>
+                                        </p:tgtEl>
+                                        <p:attrNameLst>
+                                          <p:attrName>style.visibility</p:attrName>
+                                        </p:attrNameLst>
+                                      </p:cBhvr>
+                                      <p:to>
+                                        <p:strVal val="visible"/>
+                                      </p:to>
+                                    </p:set>
+                                  </p:childTnLst>
+                                </p:cTn>
+                              </p:par>
+                            </p:childTnLst>
+                          </p:cTn>
+                        </p:par>
+                      </p:childTnLst>
+                    </p:cTn>
+                  </p:par>
+                  <p:par>
+                    <p:cTn id="27" fill="hold">
+                      <p:stCondLst>
+                        <p:cond delay="indefinite"/>
+                      </p:stCondLst>
+                      <p:childTnLst>
+                        <p:par>
+                          <p:cTn id="28" fill="hold">
+                            <p:stCondLst>
+                              <p:cond delay="0"/>
+                            </p:stCondLst>
+                            <p:childTnLst>
+                              <p:par>
+                                <p:cTn id="29" presetID="1" presetClass="entr" presetSubtype="0" fill="hold" nodeType="clickEffect">
+                                  <p:stCondLst>
+                                    <p:cond delay="0"/>
+                                  </p:stCondLst>
+                                  <p:childTnLst>
+                                    <p:set>
+                                      <p:cBhvr>
+                                        <p:cTn id="30" dur="1" fill="hold">
+                                          <p:stCondLst>
+                                            <p:cond delay="0"/>
+                                          </p:stCondLst>
+                                        </p:cTn>
+                                        <p:tgtEl>
+                                          <p:spTgt spid="4">
+                                            <p:txEl>
+                                              <p:pRg st="7" end="7"/>
+                                            </p:txEl>
+                                          </p:spTgt>
+                                        </p:tgtEl>
+                                        <p:attrNameLst>
+                                          <p:attrName>style.visibility</p:attrName>
+                                        </p:attrNameLst>
+                                      </p:cBhvr>
+                                      <p:to>
+                                        <p:strVal val="visible"/>
+                                      </p:to>
+                                    </p:set>
+                                  </p:childTnLst>
+                                </p:cTn>
+                              </p:par>
+                            </p:childTnLst>
+                          </p:cTn>
+                        </p:par>
+                      </p:childTnLst>
+                    </p:cTn>
+                  </p:par>
+                  <p:par>
+                    <p:cTn id="31" fill="hold">
+                      <p:stCondLst>
+                        <p:cond delay="indefinite"/>
+                      </p:stCondLst>
+                      <p:childTnLst>
+                        <p:par>
+                          <p:cTn id="32" fill="hold">
+                            <p:stCondLst>
+                              <p:cond delay="0"/>
+                            </p:stCondLst>
+                            <p:childTnLst>
+                              <p:par>
+                                <p:cTn id="33" presetID="1" presetClass="entr" presetSubtype="0" fill="hold" nodeType="clickEffect">
+                                  <p:stCondLst>
+                                    <p:cond delay="0"/>
+                                  </p:stCondLst>
+                                  <p:childTnLst>
+                                    <p:set>
+                                      <p:cBhvr>
+                                        <p:cTn id="34" dur="1" fill="hold">
+                                          <p:stCondLst>
+                                            <p:cond delay="0"/>
+                                          </p:stCondLst>
+                                        </p:cTn>
+                                        <p:tgtEl>
+                                          <p:spTgt spid="4">
+                                            <p:txEl>
+                                              <p:pRg st="8" end="8"/>
+                                            </p:txEl>
+                                          </p:spTgt>
+                                        </p:tgtEl>
+                                        <p:attrNameLst>
+                                          <p:attrName>style.visibility</p:attrName>
+                                        </p:attrNameLst>
+                                      </p:cBhvr>
+                                      <p:to>
+                                        <p:strVal val="visible"/>
+                                      </p:to>
+                                    </p:set>
+                                  </p:childTnLst>
+                                </p:cTn>
+                              </p:par>
+                            </p:childTnLst>
+                          </p:cTn>
+                        </p:par>
+                      </p:childTnLst>
+                    </p:cTn>
+                  </p:par>
+                  <p:par>
+                    <p:cTn id="35" fill="hold">
+                      <p:stCondLst>
+                        <p:cond delay="indefinite"/>
+                      </p:stCondLst>
+                      <p:childTnLst>
+                        <p:par>
+                          <p:cTn id="36" fill="hold">
+                            <p:stCondLst>
+                              <p:cond delay="0"/>
+                            </p:stCondLst>
+                            <p:childTnLst>
+                              <p:par>
+                                <p:cTn id="37" presetID="1" presetClass="entr" presetSubtype="0" fill="hold" nodeType="clickEffect">
+                                  <p:stCondLst>
+                                    <p:cond delay="0"/>
+                                  </p:stCondLst>
+                                  <p:childTnLst>
+                                    <p:set>
+                                      <p:cBhvr>
+                                        <p:cTn id="38" dur="1" fill="hold">
+                                          <p:stCondLst>
+                                            <p:cond delay="0"/>
+                                          </p:stCondLst>
+                                        </p:cTn>
+                                        <p:tgtEl>
+                                          <p:spTgt spid="4">
+                                            <p:txEl>
+                                              <p:pRg st="9" end="9"/>
+                                            </p:txEl>
+                                          </p:spTgt>
+                                        </p:tgtEl>
+                                        <p:attrNameLst>
+                                          <p:attrName>style.visibility</p:attrName>
+                                        </p:attrNameLst>
+                                      </p:cBhvr>
+                                      <p:to>
+                                        <p:strVal val="visible"/>
+                                      </p:to>
+                                    </p:set>
+                                  </p:childTnLst>
+                                </p:cTn>
+                              </p:par>
+                            </p:childTnLst>
+                          </p:cTn>
+                        </p:par>
+                      </p:childTnLst>
+                    </p:cTn>
+                  </p:par>
+                  <p:par>
+                    <p:cTn id="39" fill="hold">
+                      <p:stCondLst>
+                        <p:cond delay="indefinite"/>
+                      </p:stCondLst>
+                      <p:childTnLst>
+                        <p:par>
+                          <p:cTn id="40" fill="hold">
+                            <p:stCondLst>
+                              <p:cond delay="0"/>
+                            </p:stCondLst>
+                            <p:childTnLst>
+                              <p:par>
+                                <p:cTn id="41" presetID="1" presetClass="entr" presetSubtype="0" fill="hold" nodeType="clickEffect">
+                                  <p:stCondLst>
+                                    <p:cond delay="0"/>
+                                  </p:stCondLst>
+                                  <p:childTnLst>
+                                    <p:set>
+                                      <p:cBhvr>
+                                        <p:cTn id="42" dur="1" fill="hold">
+                                          <p:stCondLst>
+                                            <p:cond delay="0"/>
+                                          </p:stCondLst>
+                                        </p:cTn>
+                                        <p:tgtEl>
+                                          <p:spTgt spid="4">
+                                            <p:txEl>
+                                              <p:pRg st="10" end="10"/>
+                                            </p:txEl>
+                                          </p:spTgt>
+                                        </p:tgtEl>
+                                        <p:attrNameLst>
+                                          <p:attrName>style.visibility</p:attrName>
+                                        </p:attrNameLst>
+                                      </p:cBhvr>
+                                      <p:to>
+                                        <p:strVal val="visible"/>
+                                      </p:to>
+                                    </p:set>
+                                  </p:childTnLst>
+                                </p:cTn>
+                              </p:par>
+                            </p:childTnLst>
+                          </p:cTn>
+                        </p:par>
+                      </p:childTnLst>
+                    </p:cTn>
+                  </p:par>
+                </p:childTnLst>
+              </p:cTn>
+              <p:prevCondLst>
+                <p:cond evt="onPrev" delay="0">
+                  <p:tgtEl>
+                    <p:sldTgt/>
+                  </p:tgtEl>
+                </p:cond>
+              </p:prevCondLst>
+              <p:nextCondLst>
+                <p:cond evt="onNext" delay="0">
+                  <p:tgtEl>
+                    <p:sldTgt/>
+                  </p:tgtEl>
+                </p:cond>
+              </p:nextCondLst>
+            </p:seq>
+          </p:childTnLst>
+        </p:cTn>
+      </p:par>
+    </p:tnLst>
+  </p:timing>
+</p:sld>
+</file>
+
+<file path=ppt/slides/slide5.xml><?xml version="1.0" encoding="utf-8"?>
+<p:sld xmlns:a="http://schemas.openxmlformats.org/drawingml/2006/main" xmlns:r="http://schemas.openxmlformats.org/officeDocument/2006/relationships" xmlns:p="http://schemas.openxmlformats.org/presentationml/2006/main">
+  <p:cSld>
+    <p:spTree>
+      <p:nvGrpSpPr>
+        <p:cNvPr id="1" name=""/>
+        <p:cNvGrpSpPr/>
+        <p:nvPr/>
+      </p:nvGrpSpPr>
+      <p:grpSpPr>
+        <a:xfrm>
+          <a:off x="0" y="0"/>
+          <a:ext cx="0" cy="0"/>
+          <a:chOff x="0" y="0"/>
+          <a:chExt cx="0" cy="0"/>
+        </a:xfrm>
+      </p:grpSpPr>
+      <p:sp>
+        <p:nvSpPr>
+          <p:cNvPr id="3" name="Title 2"/>
+          <p:cNvSpPr>
+            <a:spLocks noGrp="1"/>
+          </p:cNvSpPr>
+          <p:nvPr>
+            <p:ph type="title"/>
+          </p:nvPr>
+        </p:nvSpPr>
+        <p:spPr/>
+        <p:txBody>
+          <a:bodyPr>
+            <a:normAutofit/>
+          </a:bodyPr>
+          <a:lstStyle/>
+          <a:p>
+            <a:r>
+              <a:rPr lang="nl-NL" dirty="0" smtClean="0"/>
+              <a:t>RUSH HOUR KERN</a:t>
+            </a:r>
+            <a:endParaRPr lang="nl-NL" dirty="0"/>
+          </a:p>
+        </p:txBody>
+      </p:sp>
+      <p:sp>
+        <p:nvSpPr>
+          <p:cNvPr id="4" name="TextBox 3"/>
+          <p:cNvSpPr txBox="1"/>
+          <p:nvPr/>
+        </p:nvSpPr>
+        <p:spPr>
+          <a:xfrm>
+            <a:off x="467544" y="2876406"/>
+            <a:ext cx="8280920" cy="1754326"/>
+          </a:xfrm>
+          <a:prstGeom prst="rect">
+            <a:avLst/>
+          </a:prstGeom>
+          <a:noFill/>
+        </p:spPr>
+        <p:txBody>
+          <a:bodyPr wrap="square" rtlCol="0">
+            <a:spAutoFit/>
+          </a:bodyPr>
+          <a:lstStyle/>
+          <a:p>
+            <a:pPr marL="457200" lvl="2" algn="ctr"/>
+            <a:r>
+              <a:rPr lang="nl-NL" sz="3600" dirty="0" smtClean="0"/>
+              <a:t>Een BOARD-object is een gamestate:</a:t>
+            </a:r>
+          </a:p>
+          <a:p>
+            <a:pPr marL="457200" lvl="2" algn="ctr"/>
+            <a:endParaRPr lang="nl-NL" sz="3600" dirty="0"/>
+          </a:p>
+          <a:p>
+            <a:pPr marL="457200" lvl="2" algn="ctr"/>
+            <a:r>
+              <a:rPr lang="nl-NL" sz="3600" dirty="0" smtClean="0"/>
+              <a:t>MOVE </a:t>
+            </a:r>
+            <a:r>
+              <a:rPr lang="nl-NL" sz="3600" dirty="0" smtClean="0">
+                <a:sym typeface="Wingdings" pitchFamily="2" charset="2"/>
+              </a:rPr>
+              <a:t> nieuw BOARD-object</a:t>
+            </a:r>
+            <a:endParaRPr lang="nl-NL" sz="4000" dirty="0"/>
+          </a:p>
+        </p:txBody>
+      </p:sp>
+    </p:spTree>
+    <p:extLst>
+      <p:ext uri="{BB962C8B-B14F-4D97-AF65-F5344CB8AC3E}">
+        <p14:creationId xmlns:p14="http://schemas.microsoft.com/office/powerpoint/2010/main" val="1240713087"/>
+      </p:ext>
+    </p:extLst>
+  </p:cSld>
+  <p:clrMapOvr>
+    <a:masterClrMapping/>
+  </p:clrMapOvr>
+  <p:timing>
+    <p:tnLst>
+      <p:par>
+        <p:cTn id="1" dur="indefinite" restart="never" nodeType="tmRoot"/>
+      </p:par>
+    </p:tnLst>
+  </p:timing>
+</p:sld>
+</file>
+
+<file path=ppt/slides/slide6.xml><?xml version="1.0" encoding="utf-8"?>
+<p:sld xmlns:a="http://schemas.openxmlformats.org/drawingml/2006/main" xmlns:r="http://schemas.openxmlformats.org/officeDocument/2006/relationships" xmlns:p="http://schemas.openxmlformats.org/presentationml/2006/main">
+  <p:cSld>
+    <p:spTree>
+      <p:nvGrpSpPr>
+        <p:cNvPr id="1" name=""/>
+        <p:cNvGrpSpPr/>
+        <p:nvPr/>
+      </p:nvGrpSpPr>
+      <p:grpSpPr>
+        <a:xfrm>
+          <a:off x="0" y="0"/>
+          <a:ext cx="0" cy="0"/>
+          <a:chOff x="0" y="0"/>
+          <a:chExt cx="0" cy="0"/>
+        </a:xfrm>
+      </p:grpSpPr>
+      <p:sp>
+        <p:nvSpPr>
+          <p:cNvPr id="3" name="Title 2"/>
+          <p:cNvSpPr>
+            <a:spLocks noGrp="1"/>
+          </p:cNvSpPr>
+          <p:nvPr>
+            <p:ph type="title"/>
+          </p:nvPr>
+        </p:nvSpPr>
+        <p:spPr/>
+        <p:txBody>
+          <a:bodyPr>
+            <a:normAutofit/>
+          </a:bodyPr>
+          <a:lstStyle/>
+          <a:p>
+            <a:r>
+              <a:rPr lang="nl-NL" dirty="0" smtClean="0"/>
+              <a:t>RUSH HOUR KERN</a:t>
+            </a:r>
+            <a:endParaRPr lang="nl-NL" dirty="0"/>
+          </a:p>
+        </p:txBody>
+      </p:sp>
+      <p:sp>
+        <p:nvSpPr>
+          <p:cNvPr id="4" name="TextBox 3"/>
+          <p:cNvSpPr txBox="1"/>
+          <p:nvPr/>
+        </p:nvSpPr>
+        <p:spPr>
+          <a:xfrm>
+            <a:off x="354266" y="2060848"/>
+            <a:ext cx="8280920" cy="646331"/>
+          </a:xfrm>
+          <a:prstGeom prst="rect">
+            <a:avLst/>
+          </a:prstGeom>
+          <a:noFill/>
+        </p:spPr>
+        <p:txBody>
+          <a:bodyPr wrap="square" rtlCol="0">
+            <a:spAutoFit/>
+          </a:bodyPr>
+          <a:lstStyle/>
+          <a:p>
+            <a:pPr marL="457200" lvl="2" algn="ctr"/>
+            <a:r>
+              <a:rPr lang="nl-NL" sz="3600" dirty="0" smtClean="0"/>
+              <a:t>Gamestates vergelijken </a:t>
+            </a:r>
+          </a:p>
+        </p:txBody>
+      </p:sp>
+      <p:sp>
+        <p:nvSpPr>
+          <p:cNvPr id="2" name="TextBox 1"/>
+          <p:cNvSpPr txBox="1"/>
+          <p:nvPr/>
+        </p:nvSpPr>
+        <p:spPr>
+          <a:xfrm>
+            <a:off x="1341721" y="2852936"/>
+            <a:ext cx="6336704" cy="2062103"/>
+          </a:xfrm>
+          <a:prstGeom prst="rect">
+            <a:avLst/>
+          </a:prstGeom>
+          <a:noFill/>
+        </p:spPr>
+        <p:txBody>
+          <a:bodyPr wrap="square" rtlCol="0">
+            <a:spAutoFit/>
+          </a:bodyPr>
+          <a:lstStyle/>
+          <a:p>
+            <a:pPr marL="285750" indent="-285750">
+              <a:buFont typeface="Arial" pitchFamily="34" charset="0"/>
+              <a:buChar char="•"/>
+            </a:pPr>
+            <a:r>
+              <a:rPr lang="nl-NL" sz="3200" dirty="0" smtClean="0"/>
+              <a:t>Borden vergelijken gaf fouten</a:t>
+            </a:r>
+          </a:p>
+          <a:p>
+            <a:pPr marL="285750" indent="-285750">
+              <a:buFont typeface="Arial" pitchFamily="34" charset="0"/>
+              <a:buChar char="•"/>
+            </a:pPr>
+            <a:r>
+              <a:rPr lang="nl-NL" sz="3200" dirty="0" smtClean="0"/>
+              <a:t>Dictionaries vergelijken een optie?</a:t>
+            </a:r>
+          </a:p>
+          <a:p>
+            <a:pPr marL="914400" lvl="1" indent="-457200">
+              <a:buFontTx/>
+              <a:buChar char="-"/>
+            </a:pPr>
+            <a:r>
+              <a:rPr lang="nl-NL" sz="3200" dirty="0" smtClean="0">
+                <a:solidFill>
+                  <a:srgbClr val="FF0000"/>
+                </a:solidFill>
+              </a:rPr>
+              <a:t>Kan niet in een set, unhashable</a:t>
+            </a:r>
+            <a:endParaRPr lang="nl-NL" sz="3200" dirty="0">
+              <a:solidFill>
+                <a:srgbClr val="FF0000"/>
+              </a:solidFill>
+            </a:endParaRPr>
+          </a:p>
+        </p:txBody>
+      </p:sp>
+      <p:sp>
+        <p:nvSpPr>
+          <p:cNvPr id="5" name="TextBox 4"/>
+          <p:cNvSpPr txBox="1"/>
+          <p:nvPr/>
+        </p:nvSpPr>
+        <p:spPr>
+          <a:xfrm>
+            <a:off x="1119747" y="5013176"/>
+            <a:ext cx="6702010" cy="1384995"/>
+          </a:xfrm>
+          <a:prstGeom prst="rect">
+            <a:avLst/>
+          </a:prstGeom>
+          <a:noFill/>
+        </p:spPr>
+        <p:txBody>
+          <a:bodyPr wrap="square" rtlCol="0">
+            <a:spAutoFit/>
+          </a:bodyPr>
+          <a:lstStyle/>
+          <a:p>
+            <a:r>
+              <a:rPr lang="nl-NL" sz="2800" dirty="0" smtClean="0"/>
+              <a:t>TIJDELIJKE OPLOSSING:</a:t>
+            </a:r>
+          </a:p>
+          <a:p>
+            <a:r>
+              <a:rPr lang="nl-NL" sz="2800" dirty="0" smtClean="0"/>
+              <a:t>Zware hash functie die dictionary STEEDS in een tuple omzet, want tuple is hashable</a:t>
+            </a:r>
+            <a:endParaRPr lang="nl-NL" sz="2800" dirty="0"/>
+          </a:p>
+        </p:txBody>
+      </p:sp>
+    </p:spTree>
+    <p:extLst>
+      <p:ext uri="{BB962C8B-B14F-4D97-AF65-F5344CB8AC3E}">
+        <p14:creationId xmlns:p14="http://schemas.microsoft.com/office/powerpoint/2010/main" val="3663434167"/>
+      </p:ext>
+    </p:extLst>
+  </p:cSld>
+  <p:clrMapOvr>
+    <a:masterClrMapping/>
+  </p:clrMapOvr>
+  <p:timing>
+    <p:tnLst>
+      <p:par>
+        <p:cTn id="1" dur="indefinite" restart="never" nodeType="tmRoot">
+          <p:childTnLst>
+            <p:seq concurrent="1" nextAc="seek">
+              <p:cTn id="2" dur="indefinite" nodeType="mainSeq">
+                <p:childTnLst>
+                  <p:par>
+                    <p:cTn id="3" fill="hold">
+                      <p:stCondLst>
+                        <p:cond delay="indefinite"/>
+                      </p:stCondLst>
+                      <p:childTnLst>
+                        <p:par>
+                          <p:cTn id="4" fill="hold">
+                            <p:stCondLst>
+                              <p:cond delay="0"/>
+                            </p:stCondLst>
+                            <p:childTnLst>
+                              <p:par>
+                                <p:cTn id="5" presetID="1" presetClass="entr" presetSubtype="0" fill="hold" nodeType="clickEffect">
+                                  <p:stCondLst>
+                                    <p:cond delay="0"/>
+                                  </p:stCondLst>
+                                  <p:childTnLst>
+                                    <p:set>
+                                      <p:cBhvr>
+                                        <p:cTn id="6" dur="1" fill="hold">
+                                          <p:stCondLst>
+                                            <p:cond delay="0"/>
+                                          </p:stCondLst>
+                                        </p:cTn>
+                                        <p:tgtEl>
+                                          <p:spTgt spid="2">
+                                            <p:txEl>
+                                              <p:pRg st="0" end="0"/>
+                                            </p:txEl>
+                                          </p:spTgt>
+                                        </p:tgtEl>
+                                        <p:attrNameLst>
+                                          <p:attrName>style.visibility</p:attrName>
+                                        </p:attrNameLst>
+                                      </p:cBhvr>
+                                      <p:to>
+                                        <p:strVal val="visible"/>
+                                      </p:to>
+                                    </p:set>
+                                  </p:childTnLst>
+                                </p:cTn>
+                              </p:par>
+                            </p:childTnLst>
+                          </p:cTn>
+                        </p:par>
+                      </p:childTnLst>
+                    </p:cTn>
+                  </p:par>
+                  <p:par>
+                    <p:cTn id="7" fill="hold">
+                      <p:stCondLst>
+                        <p:cond delay="indefinite"/>
+                      </p:stCondLst>
+                      <p:childTnLst>
+                        <p:par>
+                          <p:cTn id="8" fill="hold">
+                            <p:stCondLst>
+                              <p:cond delay="0"/>
+                            </p:stCondLst>
+                            <p:childTnLst>
+                              <p:par>
+                                <p:cTn id="9" presetID="1" presetClass="entr" presetSubtype="0" fill="hold" nodeType="clickEffect">
+                                  <p:stCondLst>
+                                    <p:cond delay="0"/>
+                                  </p:stCondLst>
+                                  <p:childTnLst>
+                                    <p:set>
+                                      <p:cBhvr>
+                                        <p:cTn id="10" dur="1" fill="hold">
+                                          <p:stCondLst>
+                                            <p:cond delay="0"/>
+                                          </p:stCondLst>
+                                        </p:cTn>
+                                        <p:tgtEl>
+                                          <p:spTgt spid="2">
+                                            <p:txEl>
+                                              <p:pRg st="1" end="1"/>
+                                            </p:txEl>
+                                          </p:spTgt>
+                                        </p:tgtEl>
+                                        <p:attrNameLst>
+                                          <p:attrName>style.visibility</p:attrName>
+                                        </p:attrNameLst>
+                                      </p:cBhvr>
+                                      <p:to>
+                                        <p:strVal val="visible"/>
+                                      </p:to>
+                                    </p:set>
+                                  </p:childTnLst>
+                                </p:cTn>
+                              </p:par>
+                            </p:childTnLst>
+                          </p:cTn>
+                        </p:par>
+                      </p:childTnLst>
+                    </p:cTn>
+                  </p:par>
+                  <p:par>
+                    <p:cTn id="11" fill="hold">
+                      <p:stCondLst>
+                        <p:cond delay="indefinite"/>
+                      </p:stCondLst>
+                      <p:childTnLst>
+                        <p:par>
+                          <p:cTn id="12" fill="hold">
+                            <p:stCondLst>
+                              <p:cond delay="0"/>
+                            </p:stCondLst>
+                            <p:childTnLst>
+                              <p:par>
+                                <p:cTn id="13" presetID="1" presetClass="entr" presetSubtype="0" fill="hold" nodeType="clickEffect">
+                                  <p:stCondLst>
+                                    <p:cond delay="0"/>
+                                  </p:stCondLst>
+                                  <p:childTnLst>
+                                    <p:set>
+                                      <p:cBhvr>
+                                        <p:cTn id="14" dur="1" fill="hold">
+                                          <p:stCondLst>
+                                            <p:cond delay="0"/>
+                                          </p:stCondLst>
+                                        </p:cTn>
+                                        <p:tgtEl>
+                                          <p:spTgt spid="2">
+                                            <p:txEl>
+                                              <p:pRg st="2" end="2"/>
+                                            </p:txEl>
+                                          </p:spTgt>
+                                        </p:tgtEl>
+                                        <p:attrNameLst>
+                                          <p:attrName>style.visibility</p:attrName>
+                                        </p:attrNameLst>
+                                      </p:cBhvr>
+                                      <p:to>
+                                        <p:strVal val="visible"/>
+                                      </p:to>
+                                    </p:set>
+                                  </p:childTnLst>
+                                </p:cTn>
+                              </p:par>
+                            </p:childTnLst>
+                          </p:cTn>
+                        </p:par>
+                      </p:childTnLst>
+                    </p:cTn>
+                  </p:par>
+                  <p:par>
+                    <p:cTn id="15" fill="hold">
+                      <p:stCondLst>
+                        <p:cond delay="indefinite"/>
+                      </p:stCondLst>
+                      <p:childTnLst>
+                        <p:par>
+                          <p:cTn id="16" fill="hold">
+                            <p:stCondLst>
+                              <p:cond delay="0"/>
+                            </p:stCondLst>
+                            <p:childTnLst>
+                              <p:par>
+                                <p:cTn id="17" presetID="1" presetClass="entr" presetSubtype="0" fill="hold" nodeType="clickEffect">
+                                  <p:stCondLst>
+                                    <p:cond delay="0"/>
+                                  </p:stCondLst>
+                                  <p:childTnLst>
+                                    <p:set>
+                                      <p:cBhvr>
+                                        <p:cTn id="18" dur="1" fill="hold">
+                                          <p:stCondLst>
+                                            <p:cond delay="0"/>
+                                          </p:stCondLst>
+                                        </p:cTn>
+                                        <p:tgtEl>
+                                          <p:spTgt spid="5">
+                                            <p:txEl>
+                                              <p:pRg st="0" end="0"/>
+                                            </p:txEl>
+                                          </p:spTgt>
+                                        </p:tgtEl>
+                                        <p:attrNameLst>
+                                          <p:attrName>style.visibility</p:attrName>
+                                        </p:attrNameLst>
+                                      </p:cBhvr>
+                                      <p:to>
+                                        <p:strVal val="visible"/>
+                                      </p:to>
+                                    </p:set>
+                                  </p:childTnLst>
+                                </p:cTn>
+                              </p:par>
+                              <p:par>
+                                <p:cTn id="19" presetID="1" presetClass="entr" presetSubtype="0" fill="hold" nodeType="withEffect">
+                                  <p:stCondLst>
+                                    <p:cond delay="0"/>
+                                  </p:stCondLst>
+                                  <p:childTnLst>
+                                    <p:set>
+                                      <p:cBhvr>
+                                        <p:cTn id="20" dur="1" fill="hold">
+                                          <p:stCondLst>
+                                            <p:cond delay="0"/>
+                                          </p:stCondLst>
+                                        </p:cTn>
+                                        <p:tgtEl>
+                                          <p:spTgt spid="5">
+                                            <p:txEl>
+                                              <p:pRg st="1" end="1"/>
+                                            </p:txEl>
+                                          </p:spTgt>
+                                        </p:tgtEl>
+                                        <p:attrNameLst>
+                                          <p:attrName>style.visibility</p:attrName>
+                                        </p:attrNameLst>
+                                      </p:cBhvr>
+                                      <p:to>
+                                        <p:strVal val="visible"/>
+                                      </p:to>
+                                    </p:set>
+                                  </p:childTnLst>
+                                </p:cTn>
+                              </p:par>
+                            </p:childTnLst>
+                          </p:cTn>
+                        </p:par>
+                      </p:childTnLst>
+                    </p:cTn>
+                  </p:par>
+                </p:childTnLst>
+              </p:cTn>
+              <p:prevCondLst>
+                <p:cond evt="onPrev" delay="0">
+                  <p:tgtEl>
+                    <p:sldTgt/>
+                  </p:tgtEl>
+                </p:cond>
+              </p:prevCondLst>
+              <p:nextCondLst>
+                <p:cond evt="onNext" delay="0">
+                  <p:tgtEl>
+                    <p:sldTgt/>
+                  </p:tgtEl>
+                </p:cond>
+              </p:nextCondLst>
+            </p:seq>
+          </p:childTnLst>
+        </p:cTn>
+      </p:par>
+    </p:tnLst>
+  </p:timing>
+</p:sld>
+</file>
+
+<file path=ppt/slides/slide7.xml><?xml version="1.0" encoding="utf-8"?>
 <p:sld xmlns:a="http://schemas.openxmlformats.org/drawingml/2006/main" xmlns:r="http://schemas.openxmlformats.org/officeDocument/2006/relationships" xmlns:p="http://schemas.openxmlformats.org/presentationml/2006/main">
   <p:cSld>
     <p:spTree>
@@ -15089,10 +18613,17 @@
   <p:clrMapOvr>
     <a:masterClrMapping/>
   </p:clrMapOvr>
+  <p:timing>
+    <p:tnLst>
+      <p:par>
+        <p:cTn id="1" dur="indefinite" restart="never" nodeType="tmRoot"/>
+      </p:par>
+    </p:tnLst>
+  </p:timing>
 </p:sld>
 </file>
 
-<file path=ppt/slides/slide5.xml><?xml version="1.0" encoding="utf-8"?>
+<file path=ppt/slides/slide8.xml><?xml version="1.0" encoding="utf-8"?>
 <p:sld xmlns:a="http://schemas.openxmlformats.org/drawingml/2006/main" xmlns:r="http://schemas.openxmlformats.org/officeDocument/2006/relationships" xmlns:p="http://schemas.openxmlformats.org/presentationml/2006/main">
   <p:cSld>
     <p:spTree>
@@ -15132,16 +18663,184 @@
           </a:p>
         </p:txBody>
       </p:sp>
+      <p:sp>
+        <p:nvSpPr>
+          <p:cNvPr id="4" name="TextBox 3"/>
+          <p:cNvSpPr txBox="1"/>
+          <p:nvPr/>
+        </p:nvSpPr>
+        <p:spPr>
+          <a:xfrm>
+            <a:off x="827584" y="2852936"/>
+            <a:ext cx="7704856" cy="1815882"/>
+          </a:xfrm>
+          <a:prstGeom prst="rect">
+            <a:avLst/>
+          </a:prstGeom>
+          <a:noFill/>
+        </p:spPr>
+        <p:txBody>
+          <a:bodyPr wrap="square" rtlCol="0">
+            <a:spAutoFit/>
+          </a:bodyPr>
+          <a:lstStyle/>
+          <a:p>
+            <a:pPr marL="285750" indent="-285750">
+              <a:buFont typeface="Arial" pitchFamily="34" charset="0"/>
+              <a:buChar char="•"/>
+            </a:pPr>
+            <a:r>
+              <a:rPr lang="nl-NL" sz="2800" dirty="0" smtClean="0"/>
+              <a:t>Recursief</a:t>
+            </a:r>
+          </a:p>
+          <a:p>
+            <a:pPr marL="285750" indent="-285750">
+              <a:buFont typeface="Arial" pitchFamily="34" charset="0"/>
+              <a:buChar char="•"/>
+            </a:pPr>
+            <a:r>
+              <a:rPr lang="nl-NL" sz="2800" dirty="0" smtClean="0"/>
+              <a:t>Controle op gamestates</a:t>
+            </a:r>
+          </a:p>
+          <a:p>
+            <a:pPr marL="285750" indent="-285750">
+              <a:buFont typeface="Arial" pitchFamily="34" charset="0"/>
+              <a:buChar char="•"/>
+            </a:pPr>
+            <a:r>
+              <a:rPr lang="nl-NL" sz="2800" dirty="0" smtClean="0"/>
+              <a:t>Lengte van oplossing &lt; vorige oplossing</a:t>
+            </a:r>
+          </a:p>
+          <a:p>
+            <a:pPr marL="285750" indent="-285750">
+              <a:buFont typeface="Arial" pitchFamily="34" charset="0"/>
+              <a:buChar char="•"/>
+            </a:pPr>
+            <a:endParaRPr lang="nl-NL" sz="2800" dirty="0"/>
+          </a:p>
+        </p:txBody>
+      </p:sp>
     </p:spTree>
     <p:extLst>
       <p:ext uri="{BB962C8B-B14F-4D97-AF65-F5344CB8AC3E}">
-        <p14:creationId xmlns:p14="http://schemas.microsoft.com/office/powerpoint/2010/main" val="2593113059"/>
+        <p14:creationId xmlns:p14="http://schemas.microsoft.com/office/powerpoint/2010/main" val="2014004774"/>
       </p:ext>
     </p:extLst>
   </p:cSld>
   <p:clrMapOvr>
     <a:masterClrMapping/>
   </p:clrMapOvr>
+  <p:timing>
+    <p:tnLst>
+      <p:par>
+        <p:cTn id="1" dur="indefinite" restart="never" nodeType="tmRoot"/>
+      </p:par>
+    </p:tnLst>
+  </p:timing>
+</p:sld>
+</file>
+
+<file path=ppt/slides/slide9.xml><?xml version="1.0" encoding="utf-8"?>
+<p:sld xmlns:a="http://schemas.openxmlformats.org/drawingml/2006/main" xmlns:r="http://schemas.openxmlformats.org/officeDocument/2006/relationships" xmlns:p="http://schemas.openxmlformats.org/presentationml/2006/main">
+  <p:cSld>
+    <p:spTree>
+      <p:nvGrpSpPr>
+        <p:cNvPr id="1" name=""/>
+        <p:cNvGrpSpPr/>
+        <p:nvPr/>
+      </p:nvGrpSpPr>
+      <p:grpSpPr>
+        <a:xfrm>
+          <a:off x="0" y="0"/>
+          <a:ext cx="0" cy="0"/>
+          <a:chOff x="0" y="0"/>
+          <a:chExt cx="0" cy="0"/>
+        </a:xfrm>
+      </p:grpSpPr>
+      <p:sp>
+        <p:nvSpPr>
+          <p:cNvPr id="3" name="Title 2"/>
+          <p:cNvSpPr>
+            <a:spLocks noGrp="1"/>
+          </p:cNvSpPr>
+          <p:nvPr>
+            <p:ph type="title"/>
+          </p:nvPr>
+        </p:nvSpPr>
+        <p:spPr/>
+        <p:txBody>
+          <a:bodyPr/>
+          <a:lstStyle/>
+          <a:p>
+            <a:r>
+              <a:rPr lang="nl-NL" smtClean="0"/>
+              <a:t>DFS algoritme</a:t>
+            </a:r>
+            <a:endParaRPr lang="nl-NL" dirty="0"/>
+          </a:p>
+        </p:txBody>
+      </p:sp>
+      <p:pic>
+        <p:nvPicPr>
+          <p:cNvPr id="1029" name="Picture 5" descr="D:\School\Programmeren\programmeertheorie\pres\img1.png"/>
+          <p:cNvPicPr>
+            <a:picLocks noChangeAspect="1" noChangeArrowheads="1"/>
+          </p:cNvPicPr>
+          <p:nvPr/>
+        </p:nvPicPr>
+        <p:blipFill>
+          <a:blip r:embed="rId2">
+            <a:extLst>
+              <a:ext uri="{28A0092B-C50C-407E-A947-70E740481C1C}">
+                <a14:useLocalDpi xmlns:a14="http://schemas.microsoft.com/office/drawing/2010/main" val="0"/>
+              </a:ext>
+            </a:extLst>
+          </a:blip>
+          <a:srcRect/>
+          <a:stretch>
+            <a:fillRect/>
+          </a:stretch>
+        </p:blipFill>
+        <p:spPr bwMode="auto">
+          <a:xfrm>
+            <a:off x="2699792" y="692696"/>
+            <a:ext cx="3963303" cy="5525759"/>
+          </a:xfrm>
+          <a:prstGeom prst="rect">
+            <a:avLst/>
+          </a:prstGeom>
+          <a:noFill/>
+          <a:extLst>
+            <a:ext uri="{909E8E84-426E-40DD-AFC4-6F175D3DCCD1}">
+              <a14:hiddenFill xmlns:a14="http://schemas.microsoft.com/office/drawing/2010/main">
+                <a:solidFill>
+                  <a:srgbClr val="FFFFFF"/>
+                </a:solidFill>
+              </a14:hiddenFill>
+            </a:ext>
+          </a:extLst>
+        </p:spPr>
+      </p:pic>
+    </p:spTree>
+    <p:extLst>
+      <p:ext uri="{BB962C8B-B14F-4D97-AF65-F5344CB8AC3E}">
+        <p14:creationId xmlns:p14="http://schemas.microsoft.com/office/powerpoint/2010/main" val="3953325050"/>
+      </p:ext>
+    </p:extLst>
+  </p:cSld>
+  <p:clrMapOvr>
+    <a:masterClrMapping/>
+  </p:clrMapOvr>
+  <p:timing>
+    <p:tnLst>
+      <p:par>
+        <p:cTn id="1" dur="indefinite" restart="never" nodeType="tmRoot"/>
+      </p:par>
+    </p:tnLst>
+  </p:timing>
 </p:sld>
 </file>
 

--- a/presentatie 25-11.pptx
+++ b/presentatie 25-11.pptx
@@ -14642,6 +14642,36 @@
           </a:p>
         </p:txBody>
       </p:sp>
+      <p:sp>
+        <p:nvSpPr>
+          <p:cNvPr id="4" name="TextBox 3"/>
+          <p:cNvSpPr txBox="1"/>
+          <p:nvPr/>
+        </p:nvSpPr>
+        <p:spPr>
+          <a:xfrm>
+            <a:off x="899592" y="4365104"/>
+            <a:ext cx="7560840" cy="369332"/>
+          </a:xfrm>
+          <a:prstGeom prst="rect">
+            <a:avLst/>
+          </a:prstGeom>
+          <a:noFill/>
+        </p:spPr>
+        <p:txBody>
+          <a:bodyPr wrap="square" rtlCol="0">
+            <a:spAutoFit/>
+          </a:bodyPr>
+          <a:lstStyle/>
+          <a:p>
+            <a:r>
+              <a:rPr lang="nl-NL" dirty="0" smtClean="0"/>
+              <a:t>Nummering van slides</a:t>
+            </a:r>
+            <a:endParaRPr lang="nl-NL" dirty="0"/>
+          </a:p>
+        </p:txBody>
+      </p:sp>
     </p:spTree>
     <p:extLst>
       <p:ext uri="{BB962C8B-B14F-4D97-AF65-F5344CB8AC3E}">
@@ -16312,15 +16342,7 @@
           <a:p>
             <a:r>
               <a:rPr lang="nl-NL" dirty="0" smtClean="0"/>
-              <a:t>BFS</a:t>
-            </a:r>
-            <a:r>
-              <a:rPr lang="nl-NL" dirty="0" smtClean="0"/>
-              <a:t> </a:t>
-            </a:r>
-            <a:r>
-              <a:rPr lang="nl-NL" dirty="0" smtClean="0"/>
-              <a:t>algoritme</a:t>
+              <a:t>BFS algoritme</a:t>
             </a:r>
             <a:endParaRPr lang="nl-NL" dirty="0"/>
           </a:p>
@@ -16667,15 +16689,7 @@
           <a:p>
             <a:r>
               <a:rPr lang="nl-NL" dirty="0" smtClean="0"/>
-              <a:t>BFS</a:t>
-            </a:r>
-            <a:r>
-              <a:rPr lang="nl-NL" dirty="0" smtClean="0"/>
-              <a:t> </a:t>
-            </a:r>
-            <a:r>
-              <a:rPr lang="nl-NL" dirty="0" smtClean="0"/>
-              <a:t>algoritme</a:t>
+              <a:t>BFS algoritme</a:t>
             </a:r>
             <a:endParaRPr lang="nl-NL" dirty="0"/>
           </a:p>
@@ -16871,7 +16885,7 @@
         <p:spPr>
           <a:xfrm>
             <a:off x="827584" y="3212976"/>
-            <a:ext cx="7704856" cy="1877437"/>
+            <a:ext cx="7704856" cy="1815882"/>
           </a:xfrm>
           <a:prstGeom prst="rect">
             <a:avLst/>
@@ -16889,8 +16903,8 @@
               <a:buAutoNum type="arabicPeriod"/>
             </a:pPr>
             <a:r>
-              <a:rPr lang="nl-NL" sz="4400" dirty="0" smtClean="0"/>
-              <a:t>A*?</a:t>
+              <a:rPr lang="nl-NL" sz="4000" dirty="0" smtClean="0"/>
+              <a:t>Andere algortimes/heuristieken</a:t>
             </a:r>
           </a:p>
           <a:p>
@@ -17298,7 +17312,7 @@
             </a:pPr>
             <a:r>
               <a:rPr lang="nl-NL" sz="2400" dirty="0" smtClean="0"/>
-              <a:t>Empty positities</a:t>
+              <a:t>Lege positities</a:t>
             </a:r>
           </a:p>
           <a:p>
@@ -18672,7 +18686,7 @@
         <p:spPr>
           <a:xfrm>
             <a:off x="827584" y="2852936"/>
-            <a:ext cx="7704856" cy="1815882"/>
+            <a:ext cx="7704856" cy="2246769"/>
           </a:xfrm>
           <a:prstGeom prst="rect">
             <a:avLst/>
@@ -18701,8 +18715,19 @@
             </a:pPr>
             <a:r>
               <a:rPr lang="nl-NL" sz="2800" dirty="0" smtClean="0"/>
-              <a:t>Controle op gamestates</a:t>
+              <a:t>Loops elimineren</a:t>
             </a:r>
+          </a:p>
+          <a:p>
+            <a:pPr marL="742950" lvl="1" indent="-285750">
+              <a:buFont typeface="Arial" pitchFamily="34" charset="0"/>
+              <a:buChar char="•"/>
+            </a:pPr>
+            <a:r>
+              <a:rPr lang="nl-NL" sz="2800" dirty="0" smtClean="0"/>
+              <a:t>Vergelijken van gamestates</a:t>
+            </a:r>
+            <a:endParaRPr lang="nl-NL" sz="2800" dirty="0" smtClean="0"/>
           </a:p>
           <a:p>
             <a:pPr marL="285750" indent="-285750">
